--- a/Tugas 1/Pengenalan_Python_mirli.pptx
+++ b/Tugas 1/Pengenalan_Python_mirli.pptx
@@ -30,7 +30,9 @@
     <p:sldId id="279" r:id="rId24"/>
     <p:sldId id="280" r:id="rId25"/>
     <p:sldId id="281" r:id="rId26"/>
-    <p:sldId id="282" r:id="rId27"/>
+    <p:sldId id="283" r:id="rId27"/>
+    <p:sldId id="284" r:id="rId28"/>
+    <p:sldId id="282" r:id="rId29"/>
   </p:sldIdLst>
   <p:sldSz cx="12192000" cy="6858000"/>
   <p:notesSz cx="6858000" cy="9144000"/>
@@ -131,7 +133,18 @@
   </p:defaultTextStyle>
   <p:extLst>
     <p:ext uri="{EFAFB233-063F-42B5-8137-9DF3F51BA10A}">
-      <p15:sldGuideLst xmlns:p15="http://schemas.microsoft.com/office/powerpoint/2012/main" xmlns=""/>
+      <p15:sldGuideLst xmlns:p15="http://schemas.microsoft.com/office/powerpoint/2012/main">
+        <p15:guide id="1" orient="horz" pos="2160">
+          <p15:clr>
+            <a:srgbClr val="A4A3A4"/>
+          </p15:clr>
+        </p15:guide>
+        <p15:guide id="2" pos="3840">
+          <p15:clr>
+            <a:srgbClr val="A4A3A4"/>
+          </p15:clr>
+        </p15:guide>
+      </p15:sldGuideLst>
     </p:ext>
   </p:extLst>
 </p:presentation>
@@ -181,7 +194,7 @@
           </a:lstStyle>
           <a:p>
             <a:r>
-              <a:rPr lang="en-US" smtClean="0"/>
+              <a:rPr lang="en-US"/>
               <a:t>Click to edit Master title style</a:t>
             </a:r>
             <a:endParaRPr lang="en-US" dirty="0"/>
@@ -301,7 +314,7 @@
           </a:lstStyle>
           <a:p>
             <a:r>
-              <a:rPr lang="en-US" smtClean="0"/>
+              <a:rPr lang="en-US"/>
               <a:t>Click to edit Master subtitle style</a:t>
             </a:r>
             <a:endParaRPr lang="en-US" dirty="0"/>
@@ -325,7 +338,7 @@
           <a:p>
             <a:fld id="{047FADAB-D9AF-4329-9DA2-0DFFD2DB93CA}" type="datetimeFigureOut">
               <a:rPr lang="en-US" smtClean="0"/>
-              <a:t>3/23/2019</a:t>
+              <a:t>3/30/2019</a:t>
             </a:fld>
             <a:endParaRPr lang="en-US"/>
           </a:p>
@@ -449,10 +462,9 @@
           <a:lstStyle/>
           <a:p>
             <a:r>
-              <a:rPr lang="en-US" smtClean="0"/>
+              <a:rPr lang="en-US"/>
               <a:t>Click to edit Master title style</a:t>
             </a:r>
-            <a:endParaRPr lang="en-US"/>
           </a:p>
         </p:txBody>
       </p:sp>
@@ -473,38 +485,37 @@
           <a:p>
             <a:pPr lvl="0"/>
             <a:r>
-              <a:rPr lang="en-US" smtClean="0"/>
+              <a:rPr lang="en-US"/>
               <a:t>Click to edit Master text styles</a:t>
             </a:r>
           </a:p>
           <a:p>
             <a:pPr lvl="1"/>
             <a:r>
-              <a:rPr lang="en-US" smtClean="0"/>
+              <a:rPr lang="en-US"/>
               <a:t>Second level</a:t>
             </a:r>
           </a:p>
           <a:p>
             <a:pPr lvl="2"/>
             <a:r>
-              <a:rPr lang="en-US" smtClean="0"/>
+              <a:rPr lang="en-US"/>
               <a:t>Third level</a:t>
             </a:r>
           </a:p>
           <a:p>
             <a:pPr lvl="3"/>
             <a:r>
-              <a:rPr lang="en-US" smtClean="0"/>
+              <a:rPr lang="en-US"/>
               <a:t>Fourth level</a:t>
             </a:r>
           </a:p>
           <a:p>
             <a:pPr lvl="4"/>
             <a:r>
-              <a:rPr lang="en-US" smtClean="0"/>
+              <a:rPr lang="en-US"/>
               <a:t>Fifth level</a:t>
             </a:r>
-            <a:endParaRPr lang="en-US"/>
           </a:p>
         </p:txBody>
       </p:sp>
@@ -525,7 +536,7 @@
           <a:p>
             <a:fld id="{047FADAB-D9AF-4329-9DA2-0DFFD2DB93CA}" type="datetimeFigureOut">
               <a:rPr lang="en-US" smtClean="0"/>
-              <a:t>3/23/2019</a:t>
+              <a:t>3/30/2019</a:t>
             </a:fld>
             <a:endParaRPr lang="en-US"/>
           </a:p>
@@ -619,7 +630,7 @@
           <a:lstStyle/>
           <a:p>
             <a:r>
-              <a:rPr lang="en-US" smtClean="0"/>
+              <a:rPr lang="en-US"/>
               <a:t>Click to edit Master title style</a:t>
             </a:r>
             <a:endParaRPr lang="en-US" dirty="0"/>
@@ -648,35 +659,35 @@
           <a:p>
             <a:pPr lvl="0"/>
             <a:r>
-              <a:rPr lang="en-US" smtClean="0"/>
+              <a:rPr lang="en-US"/>
               <a:t>Click to edit Master text styles</a:t>
             </a:r>
           </a:p>
           <a:p>
             <a:pPr lvl="1"/>
             <a:r>
-              <a:rPr lang="en-US" smtClean="0"/>
+              <a:rPr lang="en-US"/>
               <a:t>Second level</a:t>
             </a:r>
           </a:p>
           <a:p>
             <a:pPr lvl="2"/>
             <a:r>
-              <a:rPr lang="en-US" smtClean="0"/>
+              <a:rPr lang="en-US"/>
               <a:t>Third level</a:t>
             </a:r>
           </a:p>
           <a:p>
             <a:pPr lvl="3"/>
             <a:r>
-              <a:rPr lang="en-US" smtClean="0"/>
+              <a:rPr lang="en-US"/>
               <a:t>Fourth level</a:t>
             </a:r>
           </a:p>
           <a:p>
             <a:pPr lvl="4"/>
             <a:r>
-              <a:rPr lang="en-US" smtClean="0"/>
+              <a:rPr lang="en-US"/>
               <a:t>Fifth level</a:t>
             </a:r>
             <a:endParaRPr lang="en-US" dirty="0"/>
@@ -700,7 +711,7 @@
           <a:p>
             <a:fld id="{047FADAB-D9AF-4329-9DA2-0DFFD2DB93CA}" type="datetimeFigureOut">
               <a:rPr lang="en-US" smtClean="0"/>
-              <a:t>3/23/2019</a:t>
+              <a:t>3/30/2019</a:t>
             </a:fld>
             <a:endParaRPr lang="en-US"/>
           </a:p>
@@ -789,10 +800,9 @@
           <a:lstStyle/>
           <a:p>
             <a:r>
-              <a:rPr lang="en-US" smtClean="0"/>
+              <a:rPr lang="en-US"/>
               <a:t>Click to edit Master title style</a:t>
             </a:r>
-            <a:endParaRPr lang="en-US"/>
           </a:p>
         </p:txBody>
       </p:sp>
@@ -813,38 +823,37 @@
           <a:p>
             <a:pPr lvl="0"/>
             <a:r>
-              <a:rPr lang="en-US" smtClean="0"/>
+              <a:rPr lang="en-US"/>
               <a:t>Click to edit Master text styles</a:t>
             </a:r>
           </a:p>
           <a:p>
             <a:pPr lvl="1"/>
             <a:r>
-              <a:rPr lang="en-US" smtClean="0"/>
+              <a:rPr lang="en-US"/>
               <a:t>Second level</a:t>
             </a:r>
           </a:p>
           <a:p>
             <a:pPr lvl="2"/>
             <a:r>
-              <a:rPr lang="en-US" smtClean="0"/>
+              <a:rPr lang="en-US"/>
               <a:t>Third level</a:t>
             </a:r>
           </a:p>
           <a:p>
             <a:pPr lvl="3"/>
             <a:r>
-              <a:rPr lang="en-US" smtClean="0"/>
+              <a:rPr lang="en-US"/>
               <a:t>Fourth level</a:t>
             </a:r>
           </a:p>
           <a:p>
             <a:pPr lvl="4"/>
             <a:r>
-              <a:rPr lang="en-US" smtClean="0"/>
+              <a:rPr lang="en-US"/>
               <a:t>Fifth level</a:t>
             </a:r>
-            <a:endParaRPr lang="en-US"/>
           </a:p>
         </p:txBody>
       </p:sp>
@@ -865,7 +874,7 @@
           <a:p>
             <a:fld id="{047FADAB-D9AF-4329-9DA2-0DFFD2DB93CA}" type="datetimeFigureOut">
               <a:rPr lang="en-US" smtClean="0"/>
-              <a:t>3/23/2019</a:t>
+              <a:t>3/30/2019</a:t>
             </a:fld>
             <a:endParaRPr lang="en-US"/>
           </a:p>
@@ -970,7 +979,7 @@
           </a:lstStyle>
           <a:p>
             <a:r>
-              <a:rPr lang="en-US" smtClean="0"/>
+              <a:rPr lang="en-US"/>
               <a:t>Click to edit Master title style</a:t>
             </a:r>
             <a:endParaRPr lang="en-US" dirty="0"/>
@@ -1090,7 +1099,7 @@
           <a:p>
             <a:pPr lvl="0"/>
             <a:r>
-              <a:rPr lang="en-US" smtClean="0"/>
+              <a:rPr lang="en-US"/>
               <a:t>Click to edit Master text styles</a:t>
             </a:r>
           </a:p>
@@ -1113,7 +1122,7 @@
           <a:p>
             <a:fld id="{047FADAB-D9AF-4329-9DA2-0DFFD2DB93CA}" type="datetimeFigureOut">
               <a:rPr lang="en-US" smtClean="0"/>
-              <a:t>3/23/2019</a:t>
+              <a:t>3/30/2019</a:t>
             </a:fld>
             <a:endParaRPr lang="en-US"/>
           </a:p>
@@ -1237,10 +1246,9 @@
           <a:lstStyle/>
           <a:p>
             <a:r>
-              <a:rPr lang="en-US" smtClean="0"/>
+              <a:rPr lang="en-US"/>
               <a:t>Click to edit Master title style</a:t>
             </a:r>
-            <a:endParaRPr lang="en-US"/>
           </a:p>
         </p:txBody>
       </p:sp>
@@ -1294,35 +1302,35 @@
           <a:p>
             <a:pPr lvl="0"/>
             <a:r>
-              <a:rPr lang="en-US" smtClean="0"/>
+              <a:rPr lang="en-US"/>
               <a:t>Click to edit Master text styles</a:t>
             </a:r>
           </a:p>
           <a:p>
             <a:pPr lvl="1"/>
             <a:r>
-              <a:rPr lang="en-US" smtClean="0"/>
+              <a:rPr lang="en-US"/>
               <a:t>Second level</a:t>
             </a:r>
           </a:p>
           <a:p>
             <a:pPr lvl="2"/>
             <a:r>
-              <a:rPr lang="en-US" smtClean="0"/>
+              <a:rPr lang="en-US"/>
               <a:t>Third level</a:t>
             </a:r>
           </a:p>
           <a:p>
             <a:pPr lvl="3"/>
             <a:r>
-              <a:rPr lang="en-US" smtClean="0"/>
+              <a:rPr lang="en-US"/>
               <a:t>Fourth level</a:t>
             </a:r>
           </a:p>
           <a:p>
             <a:pPr lvl="4"/>
             <a:r>
-              <a:rPr lang="en-US" smtClean="0"/>
+              <a:rPr lang="en-US"/>
               <a:t>Fifth level</a:t>
             </a:r>
             <a:endParaRPr lang="en-US" dirty="0"/>
@@ -1379,35 +1387,35 @@
           <a:p>
             <a:pPr lvl="0"/>
             <a:r>
-              <a:rPr lang="en-US" smtClean="0"/>
+              <a:rPr lang="en-US"/>
               <a:t>Click to edit Master text styles</a:t>
             </a:r>
           </a:p>
           <a:p>
             <a:pPr lvl="1"/>
             <a:r>
-              <a:rPr lang="en-US" smtClean="0"/>
+              <a:rPr lang="en-US"/>
               <a:t>Second level</a:t>
             </a:r>
           </a:p>
           <a:p>
             <a:pPr lvl="2"/>
             <a:r>
-              <a:rPr lang="en-US" smtClean="0"/>
+              <a:rPr lang="en-US"/>
               <a:t>Third level</a:t>
             </a:r>
           </a:p>
           <a:p>
             <a:pPr lvl="3"/>
             <a:r>
-              <a:rPr lang="en-US" smtClean="0"/>
+              <a:rPr lang="en-US"/>
               <a:t>Fourth level</a:t>
             </a:r>
           </a:p>
           <a:p>
             <a:pPr lvl="4"/>
             <a:r>
-              <a:rPr lang="en-US" smtClean="0"/>
+              <a:rPr lang="en-US"/>
               <a:t>Fifth level</a:t>
             </a:r>
             <a:endParaRPr lang="en-US" dirty="0"/>
@@ -1431,7 +1439,7 @@
           <a:p>
             <a:fld id="{047FADAB-D9AF-4329-9DA2-0DFFD2DB93CA}" type="datetimeFigureOut">
               <a:rPr lang="en-US" smtClean="0"/>
-              <a:t>3/23/2019</a:t>
+              <a:t>3/30/2019</a:t>
             </a:fld>
             <a:endParaRPr lang="en-US"/>
           </a:p>
@@ -1524,7 +1532,7 @@
           </a:lstStyle>
           <a:p>
             <a:r>
-              <a:rPr lang="en-US" smtClean="0"/>
+              <a:rPr lang="en-US"/>
               <a:t>Click to edit Master title style</a:t>
             </a:r>
             <a:endParaRPr lang="en-US" dirty="0"/>
@@ -1613,7 +1621,7 @@
           <a:p>
             <a:pPr lvl="0"/>
             <a:r>
-              <a:rPr lang="en-US" smtClean="0"/>
+              <a:rPr lang="en-US"/>
               <a:t>Click to edit Master text styles</a:t>
             </a:r>
           </a:p>
@@ -1669,35 +1677,35 @@
           <a:p>
             <a:pPr lvl="0"/>
             <a:r>
-              <a:rPr lang="en-US" smtClean="0"/>
+              <a:rPr lang="en-US"/>
               <a:t>Click to edit Master text styles</a:t>
             </a:r>
           </a:p>
           <a:p>
             <a:pPr lvl="1"/>
             <a:r>
-              <a:rPr lang="en-US" smtClean="0"/>
+              <a:rPr lang="en-US"/>
               <a:t>Second level</a:t>
             </a:r>
           </a:p>
           <a:p>
             <a:pPr lvl="2"/>
             <a:r>
-              <a:rPr lang="en-US" smtClean="0"/>
+              <a:rPr lang="en-US"/>
               <a:t>Third level</a:t>
             </a:r>
           </a:p>
           <a:p>
             <a:pPr lvl="3"/>
             <a:r>
-              <a:rPr lang="en-US" smtClean="0"/>
+              <a:rPr lang="en-US"/>
               <a:t>Fourth level</a:t>
             </a:r>
           </a:p>
           <a:p>
             <a:pPr lvl="4"/>
             <a:r>
-              <a:rPr lang="en-US" smtClean="0"/>
+              <a:rPr lang="en-US"/>
               <a:t>Fifth level</a:t>
             </a:r>
             <a:endParaRPr lang="en-US" dirty="0"/>
@@ -1789,7 +1797,7 @@
           <a:p>
             <a:pPr lvl="0"/>
             <a:r>
-              <a:rPr lang="en-US" smtClean="0"/>
+              <a:rPr lang="en-US"/>
               <a:t>Click to edit Master text styles</a:t>
             </a:r>
           </a:p>
@@ -1845,35 +1853,35 @@
           <a:p>
             <a:pPr lvl="0"/>
             <a:r>
-              <a:rPr lang="en-US" smtClean="0"/>
+              <a:rPr lang="en-US"/>
               <a:t>Click to edit Master text styles</a:t>
             </a:r>
           </a:p>
           <a:p>
             <a:pPr lvl="1"/>
             <a:r>
-              <a:rPr lang="en-US" smtClean="0"/>
+              <a:rPr lang="en-US"/>
               <a:t>Second level</a:t>
             </a:r>
           </a:p>
           <a:p>
             <a:pPr lvl="2"/>
             <a:r>
-              <a:rPr lang="en-US" smtClean="0"/>
+              <a:rPr lang="en-US"/>
               <a:t>Third level</a:t>
             </a:r>
           </a:p>
           <a:p>
             <a:pPr lvl="3"/>
             <a:r>
-              <a:rPr lang="en-US" smtClean="0"/>
+              <a:rPr lang="en-US"/>
               <a:t>Fourth level</a:t>
             </a:r>
           </a:p>
           <a:p>
             <a:pPr lvl="4"/>
             <a:r>
-              <a:rPr lang="en-US" smtClean="0"/>
+              <a:rPr lang="en-US"/>
               <a:t>Fifth level</a:t>
             </a:r>
             <a:endParaRPr lang="en-US" dirty="0"/>
@@ -1897,7 +1905,7 @@
           <a:p>
             <a:fld id="{047FADAB-D9AF-4329-9DA2-0DFFD2DB93CA}" type="datetimeFigureOut">
               <a:rPr lang="en-US" smtClean="0"/>
-              <a:t>3/23/2019</a:t>
+              <a:t>3/30/2019</a:t>
             </a:fld>
             <a:endParaRPr lang="en-US"/>
           </a:p>
@@ -2021,10 +2029,9 @@
           <a:lstStyle/>
           <a:p>
             <a:r>
-              <a:rPr lang="en-US" smtClean="0"/>
+              <a:rPr lang="en-US"/>
               <a:t>Click to edit Master title style</a:t>
             </a:r>
-            <a:endParaRPr lang="en-US"/>
           </a:p>
         </p:txBody>
       </p:sp>
@@ -2045,7 +2052,7 @@
           <a:p>
             <a:fld id="{047FADAB-D9AF-4329-9DA2-0DFFD2DB93CA}" type="datetimeFigureOut">
               <a:rPr lang="en-US" smtClean="0"/>
-              <a:t>3/23/2019</a:t>
+              <a:t>3/30/2019</a:t>
             </a:fld>
             <a:endParaRPr lang="en-US"/>
           </a:p>
@@ -2135,7 +2142,7 @@
           <a:p>
             <a:fld id="{047FADAB-D9AF-4329-9DA2-0DFFD2DB93CA}" type="datetimeFigureOut">
               <a:rPr lang="en-US" smtClean="0"/>
-              <a:t>3/23/2019</a:t>
+              <a:t>3/30/2019</a:t>
             </a:fld>
             <a:endParaRPr lang="en-US"/>
           </a:p>
@@ -2235,7 +2242,7 @@
           </a:lstStyle>
           <a:p>
             <a:r>
-              <a:rPr lang="en-US" smtClean="0"/>
+              <a:rPr lang="en-US"/>
               <a:t>Click to edit Master title style</a:t>
             </a:r>
             <a:endParaRPr lang="en-US" dirty="0"/>
@@ -2292,35 +2299,35 @@
           <a:p>
             <a:pPr lvl="0"/>
             <a:r>
-              <a:rPr lang="en-US" smtClean="0"/>
+              <a:rPr lang="en-US"/>
               <a:t>Click to edit Master text styles</a:t>
             </a:r>
           </a:p>
           <a:p>
             <a:pPr lvl="1"/>
             <a:r>
-              <a:rPr lang="en-US" smtClean="0"/>
+              <a:rPr lang="en-US"/>
               <a:t>Second level</a:t>
             </a:r>
           </a:p>
           <a:p>
             <a:pPr lvl="2"/>
             <a:r>
-              <a:rPr lang="en-US" smtClean="0"/>
+              <a:rPr lang="en-US"/>
               <a:t>Third level</a:t>
             </a:r>
           </a:p>
           <a:p>
             <a:pPr lvl="3"/>
             <a:r>
-              <a:rPr lang="en-US" smtClean="0"/>
+              <a:rPr lang="en-US"/>
               <a:t>Fourth level</a:t>
             </a:r>
           </a:p>
           <a:p>
             <a:pPr lvl="4"/>
             <a:r>
-              <a:rPr lang="en-US" smtClean="0"/>
+              <a:rPr lang="en-US"/>
               <a:t>Fifth level</a:t>
             </a:r>
             <a:endParaRPr lang="en-US" dirty="0"/>
@@ -2386,7 +2393,7 @@
           <a:p>
             <a:pPr lvl="0"/>
             <a:r>
-              <a:rPr lang="en-US" smtClean="0"/>
+              <a:rPr lang="en-US"/>
               <a:t>Click to edit Master text styles</a:t>
             </a:r>
           </a:p>
@@ -2409,7 +2416,7 @@
           <a:p>
             <a:fld id="{047FADAB-D9AF-4329-9DA2-0DFFD2DB93CA}" type="datetimeFigureOut">
               <a:rPr lang="en-US" smtClean="0"/>
-              <a:t>3/23/2019</a:t>
+              <a:t>3/30/2019</a:t>
             </a:fld>
             <a:endParaRPr lang="en-US"/>
           </a:p>
@@ -2544,7 +2551,7 @@
           </a:lstStyle>
           <a:p>
             <a:r>
-              <a:rPr lang="en-US" smtClean="0"/>
+              <a:rPr lang="en-US"/>
               <a:t>Click to edit Master title style</a:t>
             </a:r>
             <a:endParaRPr lang="en-US" dirty="0"/>
@@ -2625,7 +2632,7 @@
           </a:lstStyle>
           <a:p>
             <a:r>
-              <a:rPr lang="en-US" smtClean="0"/>
+              <a:rPr lang="en-US"/>
               <a:t>Click icon to add picture</a:t>
             </a:r>
             <a:endParaRPr lang="en-US" dirty="0"/>
@@ -2691,7 +2698,7 @@
           <a:p>
             <a:pPr lvl="0"/>
             <a:r>
-              <a:rPr lang="en-US" smtClean="0"/>
+              <a:rPr lang="en-US"/>
               <a:t>Click to edit Master text styles</a:t>
             </a:r>
           </a:p>
@@ -2714,7 +2721,7 @@
           <a:p>
             <a:fld id="{047FADAB-D9AF-4329-9DA2-0DFFD2DB93CA}" type="datetimeFigureOut">
               <a:rPr lang="en-US" smtClean="0"/>
-              <a:t>3/23/2019</a:t>
+              <a:t>3/30/2019</a:t>
             </a:fld>
             <a:endParaRPr lang="en-US"/>
           </a:p>
@@ -2864,7 +2871,7 @@
           <a:lstStyle/>
           <a:p>
             <a:r>
-              <a:rPr lang="en-US" smtClean="0"/>
+              <a:rPr lang="en-US"/>
               <a:t>Click to edit Master title style</a:t>
             </a:r>
             <a:endParaRPr lang="en-US" dirty="0"/>
@@ -2898,35 +2905,35 @@
           <a:p>
             <a:pPr lvl="0"/>
             <a:r>
-              <a:rPr lang="en-US" smtClean="0"/>
+              <a:rPr lang="en-US"/>
               <a:t>Click to edit Master text styles</a:t>
             </a:r>
           </a:p>
           <a:p>
             <a:pPr lvl="1"/>
             <a:r>
-              <a:rPr lang="en-US" smtClean="0"/>
+              <a:rPr lang="en-US"/>
               <a:t>Second level</a:t>
             </a:r>
           </a:p>
           <a:p>
             <a:pPr lvl="2"/>
             <a:r>
-              <a:rPr lang="en-US" smtClean="0"/>
+              <a:rPr lang="en-US"/>
               <a:t>Third level</a:t>
             </a:r>
           </a:p>
           <a:p>
             <a:pPr lvl="3"/>
             <a:r>
-              <a:rPr lang="en-US" smtClean="0"/>
+              <a:rPr lang="en-US"/>
               <a:t>Fourth level</a:t>
             </a:r>
           </a:p>
           <a:p>
             <a:pPr lvl="4"/>
             <a:r>
-              <a:rPr lang="en-US" smtClean="0"/>
+              <a:rPr lang="en-US"/>
               <a:t>Fifth level</a:t>
             </a:r>
             <a:endParaRPr lang="en-US" dirty="0"/>
@@ -3012,7 +3019,7 @@
           <a:p>
             <a:fld id="{047FADAB-D9AF-4329-9DA2-0DFFD2DB93CA}" type="datetimeFigureOut">
               <a:rPr lang="en-US" smtClean="0"/>
-              <a:t>3/23/2019</a:t>
+              <a:t>3/30/2019</a:t>
             </a:fld>
             <a:endParaRPr lang="en-US"/>
           </a:p>
@@ -3414,7 +3421,7 @@
           <p:cNvPr id="2" name="Title 1">
             <a:extLst>
               <a:ext uri="{FF2B5EF4-FFF2-40B4-BE49-F238E27FC236}">
-                <a16:creationId xmlns:a16="http://schemas.microsoft.com/office/drawing/2014/main" xmlns="" id="{520068CD-209F-437B-B987-C9DFE8B842EF}"/>
+                <a16:creationId xmlns:a16="http://schemas.microsoft.com/office/drawing/2014/main" id="{520068CD-209F-437B-B987-C9DFE8B842EF}"/>
               </a:ext>
             </a:extLst>
           </p:cNvPr>
@@ -3431,11 +3438,11 @@
           <a:lstStyle/>
           <a:p>
             <a:r>
-              <a:rPr lang="en-ID" dirty="0" err="1" smtClean="0"/>
+              <a:rPr lang="en-ID" dirty="0" err="1"/>
               <a:t>Pengenalan</a:t>
             </a:r>
             <a:r>
-              <a:rPr lang="en-ID" dirty="0" smtClean="0"/>
+              <a:rPr lang="en-ID" dirty="0"/>
               <a:t> python</a:t>
             </a:r>
             <a:endParaRPr lang="en-US" dirty="0"/>
@@ -3447,7 +3454,7 @@
           <p:cNvPr id="3" name="Subtitle 2">
             <a:extLst>
               <a:ext uri="{FF2B5EF4-FFF2-40B4-BE49-F238E27FC236}">
-                <a16:creationId xmlns:a16="http://schemas.microsoft.com/office/drawing/2014/main" xmlns="" id="{535BDA10-04A1-4CE9-932D-6B11E4429625}"/>
+                <a16:creationId xmlns:a16="http://schemas.microsoft.com/office/drawing/2014/main" id="{535BDA10-04A1-4CE9-932D-6B11E4429625}"/>
               </a:ext>
             </a:extLst>
           </p:cNvPr>
@@ -3466,25 +3473,24 @@
           <a:lstStyle/>
           <a:p>
             <a:r>
-              <a:rPr lang="en-ID" dirty="0" err="1" smtClean="0"/>
+              <a:rPr lang="en-ID" dirty="0" err="1"/>
               <a:t>Mirliana</a:t>
             </a:r>
             <a:r>
-              <a:rPr lang="en-ID" dirty="0" smtClean="0"/>
-              <a:t> </a:t>
-            </a:r>
-            <a:r>
-              <a:rPr lang="en-ID" dirty="0" err="1" smtClean="0"/>
+              <a:rPr lang="en-ID" dirty="0"/>
+              <a:t> </a:t>
+            </a:r>
+            <a:r>
+              <a:rPr lang="en-ID" dirty="0" err="1"/>
               <a:t>nk</a:t>
             </a:r>
             <a:endParaRPr lang="en-US" dirty="0"/>
           </a:p>
           <a:p>
             <a:r>
-              <a:rPr lang="en-US" dirty="0" smtClean="0"/>
+              <a:rPr lang="en-US" dirty="0"/>
               <a:t>54415187</a:t>
             </a:r>
-            <a:endParaRPr lang="en-US" dirty="0"/>
           </a:p>
         </p:txBody>
       </p:sp>
@@ -3498,13 +3504,6 @@
   <p:clrMapOvr>
     <a:masterClrMapping/>
   </p:clrMapOvr>
-  <p:timing>
-    <p:tnLst>
-      <p:par>
-        <p:cTn id="1" dur="indefinite" restart="never" nodeType="tmRoot"/>
-      </p:par>
-    </p:tnLst>
-  </p:timing>
 </p:sld>
 </file>
 
@@ -3530,7 +3529,7 @@
           <p:cNvPr id="2" name="Title 1">
             <a:extLst>
               <a:ext uri="{FF2B5EF4-FFF2-40B4-BE49-F238E27FC236}">
-                <a16:creationId xmlns:a16="http://schemas.microsoft.com/office/drawing/2014/main" xmlns="" id="{AA0E214C-8AF6-4A83-8E9F-6FF926D29D37}"/>
+                <a16:creationId xmlns:a16="http://schemas.microsoft.com/office/drawing/2014/main" id="{AA0E214C-8AF6-4A83-8E9F-6FF926D29D37}"/>
               </a:ext>
             </a:extLst>
           </p:cNvPr>
@@ -3563,7 +3562,7 @@
           <p:cNvPr id="4" name="Content Placeholder 3">
             <a:extLst>
               <a:ext uri="{FF2B5EF4-FFF2-40B4-BE49-F238E27FC236}">
-                <a16:creationId xmlns:a16="http://schemas.microsoft.com/office/drawing/2014/main" xmlns="" id="{7DD4ED09-47DA-46DD-841F-9B5D9B0BB527}"/>
+                <a16:creationId xmlns:a16="http://schemas.microsoft.com/office/drawing/2014/main" id="{7DD4ED09-47DA-46DD-841F-9B5D9B0BB527}"/>
               </a:ext>
             </a:extLst>
           </p:cNvPr>
@@ -3600,13 +3599,6 @@
   <p:clrMapOvr>
     <a:masterClrMapping/>
   </p:clrMapOvr>
-  <p:timing>
-    <p:tnLst>
-      <p:par>
-        <p:cTn id="1" dur="indefinite" restart="never" nodeType="tmRoot"/>
-      </p:par>
-    </p:tnLst>
-  </p:timing>
 </p:sld>
 </file>
 
@@ -3632,7 +3624,7 @@
           <p:cNvPr id="2" name="Title 1">
             <a:extLst>
               <a:ext uri="{FF2B5EF4-FFF2-40B4-BE49-F238E27FC236}">
-                <a16:creationId xmlns:a16="http://schemas.microsoft.com/office/drawing/2014/main" xmlns="" id="{906043A6-961A-487B-8C36-4A41F318FF4B}"/>
+                <a16:creationId xmlns:a16="http://schemas.microsoft.com/office/drawing/2014/main" id="{906043A6-961A-487B-8C36-4A41F318FF4B}"/>
               </a:ext>
             </a:extLst>
           </p:cNvPr>
@@ -3665,7 +3657,7 @@
           <p:cNvPr id="4" name="Content Placeholder 3">
             <a:extLst>
               <a:ext uri="{FF2B5EF4-FFF2-40B4-BE49-F238E27FC236}">
-                <a16:creationId xmlns:a16="http://schemas.microsoft.com/office/drawing/2014/main" xmlns="" id="{B24A32E8-D13B-4B84-9C0E-455EF37104AB}"/>
+                <a16:creationId xmlns:a16="http://schemas.microsoft.com/office/drawing/2014/main" id="{B24A32E8-D13B-4B84-9C0E-455EF37104AB}"/>
               </a:ext>
             </a:extLst>
           </p:cNvPr>
@@ -3702,13 +3694,6 @@
   <p:clrMapOvr>
     <a:masterClrMapping/>
   </p:clrMapOvr>
-  <p:timing>
-    <p:tnLst>
-      <p:par>
-        <p:cTn id="1" dur="indefinite" restart="never" nodeType="tmRoot"/>
-      </p:par>
-    </p:tnLst>
-  </p:timing>
 </p:sld>
 </file>
 
@@ -3734,7 +3719,7 @@
           <p:cNvPr id="2" name="Title 1">
             <a:extLst>
               <a:ext uri="{FF2B5EF4-FFF2-40B4-BE49-F238E27FC236}">
-                <a16:creationId xmlns:a16="http://schemas.microsoft.com/office/drawing/2014/main" xmlns="" id="{700736AE-B941-44A3-956C-4935516E9656}"/>
+                <a16:creationId xmlns:a16="http://schemas.microsoft.com/office/drawing/2014/main" id="{700736AE-B941-44A3-956C-4935516E9656}"/>
               </a:ext>
             </a:extLst>
           </p:cNvPr>
@@ -3767,7 +3752,7 @@
           <p:cNvPr id="4" name="Content Placeholder 3">
             <a:extLst>
               <a:ext uri="{FF2B5EF4-FFF2-40B4-BE49-F238E27FC236}">
-                <a16:creationId xmlns:a16="http://schemas.microsoft.com/office/drawing/2014/main" xmlns="" id="{304A2199-D7AF-4DAF-80A9-D9BF0CA58071}"/>
+                <a16:creationId xmlns:a16="http://schemas.microsoft.com/office/drawing/2014/main" id="{304A2199-D7AF-4DAF-80A9-D9BF0CA58071}"/>
               </a:ext>
             </a:extLst>
           </p:cNvPr>
@@ -3829,7 +3814,7 @@
           <p:cNvPr id="2" name="Title 1">
             <a:extLst>
               <a:ext uri="{FF2B5EF4-FFF2-40B4-BE49-F238E27FC236}">
-                <a16:creationId xmlns:a16="http://schemas.microsoft.com/office/drawing/2014/main" xmlns="" id="{F3C3EFC0-55E0-4ACF-9FCA-87C6CCEDE055}"/>
+                <a16:creationId xmlns:a16="http://schemas.microsoft.com/office/drawing/2014/main" id="{F3C3EFC0-55E0-4ACF-9FCA-87C6CCEDE055}"/>
               </a:ext>
             </a:extLst>
           </p:cNvPr>
@@ -3857,7 +3842,7 @@
           <p:cNvPr id="3" name="Content Placeholder 2">
             <a:extLst>
               <a:ext uri="{FF2B5EF4-FFF2-40B4-BE49-F238E27FC236}">
-                <a16:creationId xmlns:a16="http://schemas.microsoft.com/office/drawing/2014/main" xmlns="" id="{622089CF-855D-4419-AB2A-197A16168D0F}"/>
+                <a16:creationId xmlns:a16="http://schemas.microsoft.com/office/drawing/2014/main" id="{622089CF-855D-4419-AB2A-197A16168D0F}"/>
               </a:ext>
             </a:extLst>
           </p:cNvPr>
@@ -4456,7 +4441,7 @@
           <p:cNvPr id="2" name="Title 1">
             <a:extLst>
               <a:ext uri="{FF2B5EF4-FFF2-40B4-BE49-F238E27FC236}">
-                <a16:creationId xmlns:a16="http://schemas.microsoft.com/office/drawing/2014/main" xmlns="" id="{BDC11D9A-F196-40F7-ACA3-772178CC1F64}"/>
+                <a16:creationId xmlns:a16="http://schemas.microsoft.com/office/drawing/2014/main" id="{BDC11D9A-F196-40F7-ACA3-772178CC1F64}"/>
               </a:ext>
             </a:extLst>
           </p:cNvPr>
@@ -4484,7 +4469,7 @@
           <p:cNvPr id="3" name="Content Placeholder 2">
             <a:extLst>
               <a:ext uri="{FF2B5EF4-FFF2-40B4-BE49-F238E27FC236}">
-                <a16:creationId xmlns:a16="http://schemas.microsoft.com/office/drawing/2014/main" xmlns="" id="{3F062B7C-F686-4B57-B005-9D205289B74D}"/>
+                <a16:creationId xmlns:a16="http://schemas.microsoft.com/office/drawing/2014/main" id="{3F062B7C-F686-4B57-B005-9D205289B74D}"/>
               </a:ext>
             </a:extLst>
           </p:cNvPr>
@@ -4578,7 +4563,7 @@
           <p:cNvPr id="5" name="Picture 4">
             <a:extLst>
               <a:ext uri="{FF2B5EF4-FFF2-40B4-BE49-F238E27FC236}">
-                <a16:creationId xmlns:a16="http://schemas.microsoft.com/office/drawing/2014/main" xmlns="" id="{65A2A7A5-D687-4BD7-A4BA-7762AF3A2936}"/>
+                <a16:creationId xmlns:a16="http://schemas.microsoft.com/office/drawing/2014/main" id="{65A2A7A5-D687-4BD7-A4BA-7762AF3A2936}"/>
               </a:ext>
             </a:extLst>
           </p:cNvPr>
@@ -4638,7 +4623,7 @@
           <p:cNvPr id="2" name="Title 1">
             <a:extLst>
               <a:ext uri="{FF2B5EF4-FFF2-40B4-BE49-F238E27FC236}">
-                <a16:creationId xmlns:a16="http://schemas.microsoft.com/office/drawing/2014/main" xmlns="" id="{9B338BA5-B1BE-4E13-8BA9-85CC10DEA24C}"/>
+                <a16:creationId xmlns:a16="http://schemas.microsoft.com/office/drawing/2014/main" id="{9B338BA5-B1BE-4E13-8BA9-85CC10DEA24C}"/>
               </a:ext>
             </a:extLst>
           </p:cNvPr>
@@ -4666,7 +4651,7 @@
           <p:cNvPr id="3" name="Content Placeholder 2">
             <a:extLst>
               <a:ext uri="{FF2B5EF4-FFF2-40B4-BE49-F238E27FC236}">
-                <a16:creationId xmlns:a16="http://schemas.microsoft.com/office/drawing/2014/main" xmlns="" id="{FC599789-B759-48C1-97AF-52DD1E15F455}"/>
+                <a16:creationId xmlns:a16="http://schemas.microsoft.com/office/drawing/2014/main" id="{FC599789-B759-48C1-97AF-52DD1E15F455}"/>
               </a:ext>
             </a:extLst>
           </p:cNvPr>
@@ -4771,7 +4756,7 @@
           <p:cNvPr id="4" name="Picture 3">
             <a:extLst>
               <a:ext uri="{FF2B5EF4-FFF2-40B4-BE49-F238E27FC236}">
-                <a16:creationId xmlns:a16="http://schemas.microsoft.com/office/drawing/2014/main" xmlns="" id="{97E88207-4269-4F27-9B87-394540FB711A}"/>
+                <a16:creationId xmlns:a16="http://schemas.microsoft.com/office/drawing/2014/main" id="{97E88207-4269-4F27-9B87-394540FB711A}"/>
               </a:ext>
             </a:extLst>
           </p:cNvPr>
@@ -4831,7 +4816,7 @@
           <p:cNvPr id="2" name="Title 1">
             <a:extLst>
               <a:ext uri="{FF2B5EF4-FFF2-40B4-BE49-F238E27FC236}">
-                <a16:creationId xmlns:a16="http://schemas.microsoft.com/office/drawing/2014/main" xmlns="" id="{6A64EFE6-F736-4AF7-AB0A-45150A649A56}"/>
+                <a16:creationId xmlns:a16="http://schemas.microsoft.com/office/drawing/2014/main" id="{6A64EFE6-F736-4AF7-AB0A-45150A649A56}"/>
               </a:ext>
             </a:extLst>
           </p:cNvPr>
@@ -4859,7 +4844,7 @@
           <p:cNvPr id="3" name="Content Placeholder 2">
             <a:extLst>
               <a:ext uri="{FF2B5EF4-FFF2-40B4-BE49-F238E27FC236}">
-                <a16:creationId xmlns:a16="http://schemas.microsoft.com/office/drawing/2014/main" xmlns="" id="{35B1CF83-AD03-4DD4-B20F-526AA16B098C}"/>
+                <a16:creationId xmlns:a16="http://schemas.microsoft.com/office/drawing/2014/main" id="{35B1CF83-AD03-4DD4-B20F-526AA16B098C}"/>
               </a:ext>
             </a:extLst>
           </p:cNvPr>
@@ -5015,7 +5000,7 @@
           <p:cNvPr id="4" name="Picture 3">
             <a:extLst>
               <a:ext uri="{FF2B5EF4-FFF2-40B4-BE49-F238E27FC236}">
-                <a16:creationId xmlns:a16="http://schemas.microsoft.com/office/drawing/2014/main" xmlns="" id="{44795652-A71D-4C4E-9EE8-9AE3F77FA049}"/>
+                <a16:creationId xmlns:a16="http://schemas.microsoft.com/office/drawing/2014/main" id="{44795652-A71D-4C4E-9EE8-9AE3F77FA049}"/>
               </a:ext>
             </a:extLst>
           </p:cNvPr>
@@ -5075,7 +5060,7 @@
           <p:cNvPr id="2" name="Title 1">
             <a:extLst>
               <a:ext uri="{FF2B5EF4-FFF2-40B4-BE49-F238E27FC236}">
-                <a16:creationId xmlns:a16="http://schemas.microsoft.com/office/drawing/2014/main" xmlns="" id="{71B3EAE6-E92F-4D6A-880E-A68DDDE604F3}"/>
+                <a16:creationId xmlns:a16="http://schemas.microsoft.com/office/drawing/2014/main" id="{71B3EAE6-E92F-4D6A-880E-A68DDDE604F3}"/>
               </a:ext>
             </a:extLst>
           </p:cNvPr>
@@ -5107,7 +5092,7 @@
           <p:cNvPr id="3" name="Content Placeholder 2">
             <a:extLst>
               <a:ext uri="{FF2B5EF4-FFF2-40B4-BE49-F238E27FC236}">
-                <a16:creationId xmlns:a16="http://schemas.microsoft.com/office/drawing/2014/main" xmlns="" id="{660E8B83-C2C5-4743-BFF9-46C10D23FAE9}"/>
+                <a16:creationId xmlns:a16="http://schemas.microsoft.com/office/drawing/2014/main" id="{660E8B83-C2C5-4743-BFF9-46C10D23FAE9}"/>
               </a:ext>
             </a:extLst>
           </p:cNvPr>
@@ -5249,7 +5234,7 @@
           <p:cNvPr id="2" name="Title 1">
             <a:extLst>
               <a:ext uri="{FF2B5EF4-FFF2-40B4-BE49-F238E27FC236}">
-                <a16:creationId xmlns:a16="http://schemas.microsoft.com/office/drawing/2014/main" xmlns="" id="{69622DA5-1F62-44EE-BBFF-43A2A46A37E5}"/>
+                <a16:creationId xmlns:a16="http://schemas.microsoft.com/office/drawing/2014/main" id="{69622DA5-1F62-44EE-BBFF-43A2A46A37E5}"/>
               </a:ext>
             </a:extLst>
           </p:cNvPr>
@@ -5277,7 +5262,7 @@
           <p:cNvPr id="3" name="Content Placeholder 2">
             <a:extLst>
               <a:ext uri="{FF2B5EF4-FFF2-40B4-BE49-F238E27FC236}">
-                <a16:creationId xmlns:a16="http://schemas.microsoft.com/office/drawing/2014/main" xmlns="" id="{12ED7BED-90AF-4163-A7C2-21C967ECD37E}"/>
+                <a16:creationId xmlns:a16="http://schemas.microsoft.com/office/drawing/2014/main" id="{12ED7BED-90AF-4163-A7C2-21C967ECD37E}"/>
               </a:ext>
             </a:extLst>
           </p:cNvPr>
@@ -5658,7 +5643,7 @@
           <p:cNvPr id="2" name="Title 1">
             <a:extLst>
               <a:ext uri="{FF2B5EF4-FFF2-40B4-BE49-F238E27FC236}">
-                <a16:creationId xmlns:a16="http://schemas.microsoft.com/office/drawing/2014/main" xmlns="" id="{0A3B81F4-D727-40D9-AF9E-49B8004DF3B6}"/>
+                <a16:creationId xmlns:a16="http://schemas.microsoft.com/office/drawing/2014/main" id="{0A3B81F4-D727-40D9-AF9E-49B8004DF3B6}"/>
               </a:ext>
             </a:extLst>
           </p:cNvPr>
@@ -5686,7 +5671,7 @@
           <p:cNvPr id="3" name="Content Placeholder 2">
             <a:extLst>
               <a:ext uri="{FF2B5EF4-FFF2-40B4-BE49-F238E27FC236}">
-                <a16:creationId xmlns:a16="http://schemas.microsoft.com/office/drawing/2014/main" xmlns="" id="{CE8EF288-265F-49E4-BC4F-F912D3CD04D9}"/>
+                <a16:creationId xmlns:a16="http://schemas.microsoft.com/office/drawing/2014/main" id="{CE8EF288-265F-49E4-BC4F-F912D3CD04D9}"/>
               </a:ext>
             </a:extLst>
           </p:cNvPr>
@@ -5925,7 +5910,7 @@
           <p:cNvPr id="4" name="Picture 3">
             <a:extLst>
               <a:ext uri="{FF2B5EF4-FFF2-40B4-BE49-F238E27FC236}">
-                <a16:creationId xmlns:a16="http://schemas.microsoft.com/office/drawing/2014/main" xmlns="" id="{748C8423-BCD8-491C-A3ED-FBE8A361CFCF}"/>
+                <a16:creationId xmlns:a16="http://schemas.microsoft.com/office/drawing/2014/main" id="{748C8423-BCD8-491C-A3ED-FBE8A361CFCF}"/>
               </a:ext>
             </a:extLst>
           </p:cNvPr>
@@ -5985,7 +5970,7 @@
           <p:cNvPr id="2" name="Title 1">
             <a:extLst>
               <a:ext uri="{FF2B5EF4-FFF2-40B4-BE49-F238E27FC236}">
-                <a16:creationId xmlns:a16="http://schemas.microsoft.com/office/drawing/2014/main" xmlns="" id="{D8D89EF4-269A-46A9-A7BD-85C639FDB694}"/>
+                <a16:creationId xmlns:a16="http://schemas.microsoft.com/office/drawing/2014/main" id="{D8D89EF4-269A-46A9-A7BD-85C639FDB694}"/>
               </a:ext>
             </a:extLst>
           </p:cNvPr>
@@ -6013,7 +5998,7 @@
           <p:cNvPr id="3" name="Content Placeholder 2">
             <a:extLst>
               <a:ext uri="{FF2B5EF4-FFF2-40B4-BE49-F238E27FC236}">
-                <a16:creationId xmlns:a16="http://schemas.microsoft.com/office/drawing/2014/main" xmlns="" id="{0B12D61C-D7CA-44DA-A969-5704AB9F3595}"/>
+                <a16:creationId xmlns:a16="http://schemas.microsoft.com/office/drawing/2014/main" id="{0B12D61C-D7CA-44DA-A969-5704AB9F3595}"/>
               </a:ext>
             </a:extLst>
           </p:cNvPr>
@@ -6513,13 +6498,6 @@
   <p:clrMapOvr>
     <a:masterClrMapping/>
   </p:clrMapOvr>
-  <p:timing>
-    <p:tnLst>
-      <p:par>
-        <p:cTn id="1" dur="indefinite" restart="never" nodeType="tmRoot"/>
-      </p:par>
-    </p:tnLst>
-  </p:timing>
 </p:sld>
 </file>
 
@@ -6545,7 +6523,7 @@
           <p:cNvPr id="2" name="Title 1">
             <a:extLst>
               <a:ext uri="{FF2B5EF4-FFF2-40B4-BE49-F238E27FC236}">
-                <a16:creationId xmlns:a16="http://schemas.microsoft.com/office/drawing/2014/main" xmlns="" id="{D1D6930C-657C-449D-B34B-EB905240E38D}"/>
+                <a16:creationId xmlns:a16="http://schemas.microsoft.com/office/drawing/2014/main" id="{D1D6930C-657C-449D-B34B-EB905240E38D}"/>
               </a:ext>
             </a:extLst>
           </p:cNvPr>
@@ -6573,7 +6551,7 @@
           <p:cNvPr id="3" name="Content Placeholder 2">
             <a:extLst>
               <a:ext uri="{FF2B5EF4-FFF2-40B4-BE49-F238E27FC236}">
-                <a16:creationId xmlns:a16="http://schemas.microsoft.com/office/drawing/2014/main" xmlns="" id="{B37CE59B-4367-4E0F-8C72-B7BB5D21EA44}"/>
+                <a16:creationId xmlns:a16="http://schemas.microsoft.com/office/drawing/2014/main" id="{B37CE59B-4367-4E0F-8C72-B7BB5D21EA44}"/>
               </a:ext>
             </a:extLst>
           </p:cNvPr>
@@ -6772,7 +6750,7 @@
           <p:cNvPr id="4" name="Picture 3">
             <a:extLst>
               <a:ext uri="{FF2B5EF4-FFF2-40B4-BE49-F238E27FC236}">
-                <a16:creationId xmlns:a16="http://schemas.microsoft.com/office/drawing/2014/main" xmlns="" id="{59066CD2-3D44-4CB4-A2B7-0C1E1EB77575}"/>
+                <a16:creationId xmlns:a16="http://schemas.microsoft.com/office/drawing/2014/main" id="{59066CD2-3D44-4CB4-A2B7-0C1E1EB77575}"/>
               </a:ext>
             </a:extLst>
           </p:cNvPr>
@@ -6832,7 +6810,7 @@
           <p:cNvPr id="2" name="Title 1">
             <a:extLst>
               <a:ext uri="{FF2B5EF4-FFF2-40B4-BE49-F238E27FC236}">
-                <a16:creationId xmlns:a16="http://schemas.microsoft.com/office/drawing/2014/main" xmlns="" id="{0906278B-715F-40E6-96B4-AABCD817E860}"/>
+                <a16:creationId xmlns:a16="http://schemas.microsoft.com/office/drawing/2014/main" id="{0906278B-715F-40E6-96B4-AABCD817E860}"/>
               </a:ext>
             </a:extLst>
           </p:cNvPr>
@@ -6864,7 +6842,7 @@
           <p:cNvPr id="3" name="Content Placeholder 2">
             <a:extLst>
               <a:ext uri="{FF2B5EF4-FFF2-40B4-BE49-F238E27FC236}">
-                <a16:creationId xmlns:a16="http://schemas.microsoft.com/office/drawing/2014/main" xmlns="" id="{B7CCAC59-A944-4E9D-B0E0-DBE20BA2D29F}"/>
+                <a16:creationId xmlns:a16="http://schemas.microsoft.com/office/drawing/2014/main" id="{B7CCAC59-A944-4E9D-B0E0-DBE20BA2D29F}"/>
               </a:ext>
             </a:extLst>
           </p:cNvPr>
@@ -7035,7 +7013,7 @@
           <p:cNvPr id="4" name="Picture 3">
             <a:extLst>
               <a:ext uri="{FF2B5EF4-FFF2-40B4-BE49-F238E27FC236}">
-                <a16:creationId xmlns:a16="http://schemas.microsoft.com/office/drawing/2014/main" xmlns="" id="{E250073F-AFE2-4C19-8CF7-65F45870CA0B}"/>
+                <a16:creationId xmlns:a16="http://schemas.microsoft.com/office/drawing/2014/main" id="{E250073F-AFE2-4C19-8CF7-65F45870CA0B}"/>
               </a:ext>
             </a:extLst>
           </p:cNvPr>
@@ -7095,7 +7073,7 @@
           <p:cNvPr id="2" name="Title 1">
             <a:extLst>
               <a:ext uri="{FF2B5EF4-FFF2-40B4-BE49-F238E27FC236}">
-                <a16:creationId xmlns:a16="http://schemas.microsoft.com/office/drawing/2014/main" xmlns="" id="{820A6B61-52E6-454C-A929-A9403A22E27A}"/>
+                <a16:creationId xmlns:a16="http://schemas.microsoft.com/office/drawing/2014/main" id="{820A6B61-52E6-454C-A929-A9403A22E27A}"/>
               </a:ext>
             </a:extLst>
           </p:cNvPr>
@@ -7127,7 +7105,7 @@
           <p:cNvPr id="3" name="Content Placeholder 2">
             <a:extLst>
               <a:ext uri="{FF2B5EF4-FFF2-40B4-BE49-F238E27FC236}">
-                <a16:creationId xmlns:a16="http://schemas.microsoft.com/office/drawing/2014/main" xmlns="" id="{1E2165CB-48BD-485E-B57E-D228A32AF475}"/>
+                <a16:creationId xmlns:a16="http://schemas.microsoft.com/office/drawing/2014/main" id="{1E2165CB-48BD-485E-B57E-D228A32AF475}"/>
               </a:ext>
             </a:extLst>
           </p:cNvPr>
@@ -7495,7 +7473,7 @@
           <p:cNvPr id="4" name="Picture 3">
             <a:extLst>
               <a:ext uri="{FF2B5EF4-FFF2-40B4-BE49-F238E27FC236}">
-                <a16:creationId xmlns:a16="http://schemas.microsoft.com/office/drawing/2014/main" xmlns="" id="{7BB13B3A-2F66-4E6F-AC90-2AAB39A0037E}"/>
+                <a16:creationId xmlns:a16="http://schemas.microsoft.com/office/drawing/2014/main" id="{7BB13B3A-2F66-4E6F-AC90-2AAB39A0037E}"/>
               </a:ext>
             </a:extLst>
           </p:cNvPr>
@@ -7555,7 +7533,7 @@
           <p:cNvPr id="2" name="Title 1">
             <a:extLst>
               <a:ext uri="{FF2B5EF4-FFF2-40B4-BE49-F238E27FC236}">
-                <a16:creationId xmlns:a16="http://schemas.microsoft.com/office/drawing/2014/main" xmlns="" id="{B95B8F5C-7200-4F20-A589-14B3C3FB5AC4}"/>
+                <a16:creationId xmlns:a16="http://schemas.microsoft.com/office/drawing/2014/main" id="{B95B8F5C-7200-4F20-A589-14B3C3FB5AC4}"/>
               </a:ext>
             </a:extLst>
           </p:cNvPr>
@@ -7592,7 +7570,7 @@
           <p:cNvPr id="3" name="Content Placeholder 2">
             <a:extLst>
               <a:ext uri="{FF2B5EF4-FFF2-40B4-BE49-F238E27FC236}">
-                <a16:creationId xmlns:a16="http://schemas.microsoft.com/office/drawing/2014/main" xmlns="" id="{082257B7-1AE8-4976-876F-0B1CAA8B49DC}"/>
+                <a16:creationId xmlns:a16="http://schemas.microsoft.com/office/drawing/2014/main" id="{082257B7-1AE8-4976-876F-0B1CAA8B49DC}"/>
               </a:ext>
             </a:extLst>
           </p:cNvPr>
@@ -7924,7 +7902,7 @@
           <p:cNvPr id="2" name="Title 1">
             <a:extLst>
               <a:ext uri="{FF2B5EF4-FFF2-40B4-BE49-F238E27FC236}">
-                <a16:creationId xmlns:a16="http://schemas.microsoft.com/office/drawing/2014/main" xmlns="" id="{DA88EBD1-1F49-4BA6-B6E8-619E2D06CBBD}"/>
+                <a16:creationId xmlns:a16="http://schemas.microsoft.com/office/drawing/2014/main" id="{DA88EBD1-1F49-4BA6-B6E8-619E2D06CBBD}"/>
               </a:ext>
             </a:extLst>
           </p:cNvPr>
@@ -7952,7 +7930,7 @@
           <p:cNvPr id="3" name="Content Placeholder 2">
             <a:extLst>
               <a:ext uri="{FF2B5EF4-FFF2-40B4-BE49-F238E27FC236}">
-                <a16:creationId xmlns:a16="http://schemas.microsoft.com/office/drawing/2014/main" xmlns="" id="{A27A643B-FC17-49CF-B974-056B4326786E}"/>
+                <a16:creationId xmlns:a16="http://schemas.microsoft.com/office/drawing/2014/main" id="{A27A643B-FC17-49CF-B974-056B4326786E}"/>
               </a:ext>
             </a:extLst>
           </p:cNvPr>
@@ -8174,7 +8152,7 @@
           <p:cNvPr id="4" name="Picture 3">
             <a:extLst>
               <a:ext uri="{FF2B5EF4-FFF2-40B4-BE49-F238E27FC236}">
-                <a16:creationId xmlns:a16="http://schemas.microsoft.com/office/drawing/2014/main" xmlns="" id="{3FC13C5E-CA78-4231-9769-FD294CA18F72}"/>
+                <a16:creationId xmlns:a16="http://schemas.microsoft.com/office/drawing/2014/main" id="{3FC13C5E-CA78-4231-9769-FD294CA18F72}"/>
               </a:ext>
             </a:extLst>
           </p:cNvPr>
@@ -8234,7 +8212,7 @@
           <p:cNvPr id="2" name="Title 1">
             <a:extLst>
               <a:ext uri="{FF2B5EF4-FFF2-40B4-BE49-F238E27FC236}">
-                <a16:creationId xmlns:a16="http://schemas.microsoft.com/office/drawing/2014/main" xmlns="" id="{9E3A28AF-8616-4DA9-BA67-3EE28B366907}"/>
+                <a16:creationId xmlns:a16="http://schemas.microsoft.com/office/drawing/2014/main" id="{9E3A28AF-8616-4DA9-BA67-3EE28B366907}"/>
               </a:ext>
             </a:extLst>
           </p:cNvPr>
@@ -8262,7 +8240,7 @@
           <p:cNvPr id="3" name="Content Placeholder 2">
             <a:extLst>
               <a:ext uri="{FF2B5EF4-FFF2-40B4-BE49-F238E27FC236}">
-                <a16:creationId xmlns:a16="http://schemas.microsoft.com/office/drawing/2014/main" xmlns="" id="{5497F37E-F7D4-4510-878B-B9620381D1C4}"/>
+                <a16:creationId xmlns:a16="http://schemas.microsoft.com/office/drawing/2014/main" id="{5497F37E-F7D4-4510-878B-B9620381D1C4}"/>
               </a:ext>
             </a:extLst>
           </p:cNvPr>
@@ -8370,7 +8348,7 @@
           <p:cNvPr id="2" name="Title 1">
             <a:extLst>
               <a:ext uri="{FF2B5EF4-FFF2-40B4-BE49-F238E27FC236}">
-                <a16:creationId xmlns:a16="http://schemas.microsoft.com/office/drawing/2014/main" xmlns="" id="{50885E28-54E8-491F-B17E-A52F3B7F1523}"/>
+                <a16:creationId xmlns:a16="http://schemas.microsoft.com/office/drawing/2014/main" id="{B6F48913-43C9-44CA-B562-84B96E6950B6}"/>
               </a:ext>
             </a:extLst>
           </p:cNvPr>
@@ -8387,8 +8365,12 @@
           <a:lstStyle/>
           <a:p>
             <a:r>
-              <a:rPr lang="en-US" dirty="0"/>
-              <a:t>daftar PUSTAKA</a:t>
+              <a:rPr lang="en-US" dirty="0" err="1"/>
+              <a:t>Jupyter</a:t>
+            </a:r>
+            <a:r>
+              <a:rPr lang="en-US" dirty="0"/>
+              <a:t> pada python</a:t>
             </a:r>
           </a:p>
         </p:txBody>
@@ -8398,7 +8380,967 @@
           <p:cNvPr id="3" name="Content Placeholder 2">
             <a:extLst>
               <a:ext uri="{FF2B5EF4-FFF2-40B4-BE49-F238E27FC236}">
-                <a16:creationId xmlns:a16="http://schemas.microsoft.com/office/drawing/2014/main" xmlns="" id="{537CB976-9A37-48BA-B3B7-47CDB98CC564}"/>
+                <a16:creationId xmlns:a16="http://schemas.microsoft.com/office/drawing/2014/main" id="{0AF90266-9431-4617-A969-F35D9DD8F8A2}"/>
+              </a:ext>
+            </a:extLst>
+          </p:cNvPr>
+          <p:cNvSpPr>
+            <a:spLocks noGrp="1"/>
+          </p:cNvSpPr>
+          <p:nvPr>
+            <p:ph idx="1"/>
+          </p:nvPr>
+        </p:nvSpPr>
+        <p:spPr/>
+        <p:txBody>
+          <a:bodyPr/>
+          <a:lstStyle/>
+          <a:p>
+            <a:r>
+              <a:rPr lang="en-US" dirty="0" err="1"/>
+              <a:t>Jupyter</a:t>
+            </a:r>
+            <a:r>
+              <a:rPr lang="en-US" dirty="0"/>
+              <a:t> Notebook </a:t>
+            </a:r>
+            <a:r>
+              <a:rPr lang="en-US" dirty="0" err="1"/>
+              <a:t>adalah</a:t>
+            </a:r>
+            <a:r>
+              <a:rPr lang="en-US" dirty="0"/>
+              <a:t> </a:t>
+            </a:r>
+            <a:r>
+              <a:rPr lang="en-US" dirty="0" err="1"/>
+              <a:t>sebuah</a:t>
+            </a:r>
+            <a:r>
+              <a:rPr lang="en-US" dirty="0"/>
+              <a:t> </a:t>
+            </a:r>
+            <a:r>
+              <a:rPr lang="en-US" dirty="0" err="1"/>
+              <a:t>aplikasi</a:t>
+            </a:r>
+            <a:r>
+              <a:rPr lang="en-US" dirty="0"/>
+              <a:t> open source yang </a:t>
+            </a:r>
+            <a:r>
+              <a:rPr lang="en-US" dirty="0" err="1"/>
+              <a:t>fungsinya</a:t>
+            </a:r>
+            <a:r>
+              <a:rPr lang="en-US" dirty="0"/>
+              <a:t> </a:t>
+            </a:r>
+            <a:r>
+              <a:rPr lang="en-US" dirty="0" err="1"/>
+              <a:t>untuk</a:t>
+            </a:r>
+            <a:r>
+              <a:rPr lang="en-US" dirty="0"/>
+              <a:t> </a:t>
+            </a:r>
+            <a:r>
+              <a:rPr lang="en-US" dirty="0" err="1"/>
+              <a:t>membuat</a:t>
+            </a:r>
+            <a:r>
+              <a:rPr lang="en-US" dirty="0"/>
+              <a:t> dan </a:t>
+            </a:r>
+            <a:r>
+              <a:rPr lang="en-US" dirty="0" err="1"/>
+              <a:t>berbagi</a:t>
+            </a:r>
+            <a:r>
+              <a:rPr lang="en-US" dirty="0"/>
+              <a:t> </a:t>
+            </a:r>
+            <a:r>
+              <a:rPr lang="en-US" dirty="0" err="1"/>
+              <a:t>dokumen</a:t>
+            </a:r>
+            <a:r>
+              <a:rPr lang="en-US" dirty="0"/>
+              <a:t> yang </a:t>
+            </a:r>
+            <a:r>
+              <a:rPr lang="en-US" dirty="0" err="1"/>
+              <a:t>berisi</a:t>
+            </a:r>
+            <a:r>
+              <a:rPr lang="en-US" dirty="0"/>
+              <a:t> live code, </a:t>
+            </a:r>
+            <a:r>
+              <a:rPr lang="en-US" dirty="0" err="1"/>
+              <a:t>persamaan</a:t>
+            </a:r>
+            <a:r>
+              <a:rPr lang="en-US" dirty="0"/>
+              <a:t>, </a:t>
+            </a:r>
+            <a:r>
+              <a:rPr lang="en-US" dirty="0" err="1"/>
+              <a:t>visualisasi</a:t>
+            </a:r>
+            <a:r>
+              <a:rPr lang="en-US" dirty="0"/>
+              <a:t> dan </a:t>
+            </a:r>
+            <a:r>
+              <a:rPr lang="en-US" dirty="0" err="1"/>
+              <a:t>teks</a:t>
+            </a:r>
+            <a:r>
+              <a:rPr lang="en-US" dirty="0"/>
+              <a:t> </a:t>
+            </a:r>
+            <a:r>
+              <a:rPr lang="en-US" dirty="0" err="1"/>
+              <a:t>penjelasan</a:t>
+            </a:r>
+            <a:r>
+              <a:rPr lang="en-US" dirty="0"/>
+              <a:t>. </a:t>
+            </a:r>
+            <a:r>
+              <a:rPr lang="en-US" dirty="0" err="1"/>
+              <a:t>Untuk</a:t>
+            </a:r>
+            <a:r>
+              <a:rPr lang="en-US" dirty="0"/>
+              <a:t> </a:t>
+            </a:r>
+            <a:r>
+              <a:rPr lang="en-US" dirty="0" err="1"/>
+              <a:t>menginstall</a:t>
+            </a:r>
+            <a:r>
+              <a:rPr lang="en-US" dirty="0"/>
+              <a:t> </a:t>
+            </a:r>
+            <a:r>
+              <a:rPr lang="en-US" dirty="0" err="1"/>
+              <a:t>Jupyter</a:t>
+            </a:r>
+            <a:r>
+              <a:rPr lang="en-US" dirty="0"/>
+              <a:t>, </a:t>
+            </a:r>
+            <a:r>
+              <a:rPr lang="en-US" dirty="0" err="1"/>
+              <a:t>kita</a:t>
+            </a:r>
+            <a:r>
+              <a:rPr lang="en-US" dirty="0"/>
+              <a:t> </a:t>
+            </a:r>
+            <a:r>
+              <a:rPr lang="en-US" dirty="0" err="1"/>
+              <a:t>bisa</a:t>
+            </a:r>
+            <a:r>
+              <a:rPr lang="en-US" dirty="0"/>
+              <a:t> </a:t>
+            </a:r>
+            <a:r>
+              <a:rPr lang="en-US" dirty="0" err="1"/>
+              <a:t>menginstall</a:t>
+            </a:r>
+            <a:r>
+              <a:rPr lang="en-US" dirty="0"/>
+              <a:t> Anaconda </a:t>
+            </a:r>
+            <a:r>
+              <a:rPr lang="en-US" dirty="0" err="1"/>
+              <a:t>karena</a:t>
+            </a:r>
+            <a:r>
+              <a:rPr lang="en-US" dirty="0"/>
+              <a:t> di </a:t>
+            </a:r>
+            <a:r>
+              <a:rPr lang="en-US" dirty="0" err="1"/>
+              <a:t>dalamnya</a:t>
+            </a:r>
+            <a:r>
+              <a:rPr lang="en-US" dirty="0"/>
+              <a:t> </a:t>
+            </a:r>
+            <a:r>
+              <a:rPr lang="en-US" dirty="0" err="1"/>
+              <a:t>terdapat</a:t>
+            </a:r>
+            <a:r>
+              <a:rPr lang="en-US" dirty="0"/>
+              <a:t> </a:t>
+            </a:r>
+            <a:r>
+              <a:rPr lang="en-US" dirty="0" err="1"/>
+              <a:t>Jupyter</a:t>
+            </a:r>
+            <a:r>
+              <a:rPr lang="en-US" dirty="0"/>
+              <a:t>. Setelah </a:t>
+            </a:r>
+            <a:r>
+              <a:rPr lang="en-US" dirty="0" err="1"/>
+              <a:t>menginstall</a:t>
+            </a:r>
+            <a:r>
+              <a:rPr lang="en-US" dirty="0"/>
+              <a:t> Anaconda </a:t>
+            </a:r>
+            <a:r>
+              <a:rPr lang="en-US" dirty="0" err="1"/>
+              <a:t>kita</a:t>
+            </a:r>
+            <a:r>
+              <a:rPr lang="en-US" dirty="0"/>
+              <a:t> </a:t>
+            </a:r>
+            <a:r>
+              <a:rPr lang="en-US" dirty="0" err="1"/>
+              <a:t>dapat</a:t>
+            </a:r>
+            <a:r>
+              <a:rPr lang="en-US" dirty="0"/>
+              <a:t> </a:t>
+            </a:r>
+            <a:r>
+              <a:rPr lang="en-US" dirty="0" err="1"/>
+              <a:t>membuka</a:t>
+            </a:r>
+            <a:r>
+              <a:rPr lang="en-US" dirty="0"/>
+              <a:t> </a:t>
+            </a:r>
+            <a:r>
+              <a:rPr lang="en-US" dirty="0" err="1"/>
+              <a:t>Jupyter</a:t>
+            </a:r>
+            <a:r>
+              <a:rPr lang="en-US" dirty="0"/>
+              <a:t> Notebook </a:t>
+            </a:r>
+            <a:r>
+              <a:rPr lang="en-US" dirty="0" err="1"/>
+              <a:t>dengan</a:t>
+            </a:r>
+            <a:r>
+              <a:rPr lang="en-US" dirty="0"/>
+              <a:t> 2 </a:t>
+            </a:r>
+            <a:r>
+              <a:rPr lang="en-US" dirty="0" err="1"/>
+              <a:t>cara</a:t>
+            </a:r>
+            <a:r>
+              <a:rPr lang="en-US" dirty="0"/>
+              <a:t> </a:t>
+            </a:r>
+            <a:r>
+              <a:rPr lang="en-US" dirty="0" err="1"/>
+              <a:t>yaitu</a:t>
+            </a:r>
+            <a:r>
+              <a:rPr lang="en-US" dirty="0"/>
+              <a:t> </a:t>
+            </a:r>
+            <a:r>
+              <a:rPr lang="en-US" dirty="0" err="1"/>
+              <a:t>langsung</a:t>
+            </a:r>
+            <a:r>
+              <a:rPr lang="en-US" dirty="0"/>
+              <a:t> </a:t>
+            </a:r>
+            <a:r>
+              <a:rPr lang="en-US" dirty="0" err="1"/>
+              <a:t>mengklik</a:t>
+            </a:r>
+            <a:r>
+              <a:rPr lang="en-US" dirty="0"/>
+              <a:t> </a:t>
+            </a:r>
+            <a:r>
+              <a:rPr lang="en-US" dirty="0" err="1"/>
+              <a:t>Jupyter</a:t>
+            </a:r>
+            <a:r>
+              <a:rPr lang="en-US" dirty="0"/>
+              <a:t> Notebook pada start  </a:t>
+            </a:r>
+            <a:r>
+              <a:rPr lang="en-US" dirty="0" err="1"/>
+              <a:t>atau</a:t>
+            </a:r>
+            <a:r>
+              <a:rPr lang="en-US" dirty="0"/>
+              <a:t> </a:t>
+            </a:r>
+            <a:r>
+              <a:rPr lang="en-US" dirty="0" err="1"/>
+              <a:t>dengan</a:t>
+            </a:r>
+            <a:r>
+              <a:rPr lang="en-US" dirty="0"/>
+              <a:t> </a:t>
+            </a:r>
+            <a:r>
+              <a:rPr lang="en-US" dirty="0" err="1"/>
+              <a:t>membuka</a:t>
+            </a:r>
+            <a:r>
+              <a:rPr lang="en-US" dirty="0"/>
+              <a:t> Anaconda Prompt pada start </a:t>
+            </a:r>
+            <a:r>
+              <a:rPr lang="en-US" dirty="0" err="1"/>
+              <a:t>lalu</a:t>
+            </a:r>
+            <a:r>
+              <a:rPr lang="en-US" dirty="0"/>
+              <a:t> </a:t>
+            </a:r>
+            <a:r>
+              <a:rPr lang="en-US" dirty="0" err="1"/>
+              <a:t>mengetikkan</a:t>
+            </a:r>
+            <a:r>
+              <a:rPr lang="en-US" dirty="0"/>
+              <a:t> </a:t>
+            </a:r>
+            <a:r>
+              <a:rPr lang="en-US" dirty="0" err="1"/>
+              <a:t>Jupyter</a:t>
+            </a:r>
+            <a:r>
+              <a:rPr lang="en-US" dirty="0"/>
+              <a:t> Notebook. </a:t>
+            </a:r>
+            <a:r>
+              <a:rPr lang="en-US" dirty="0" err="1"/>
+              <a:t>Maka</a:t>
+            </a:r>
+            <a:r>
+              <a:rPr lang="en-US" dirty="0"/>
+              <a:t> </a:t>
+            </a:r>
+            <a:r>
+              <a:rPr lang="en-US" dirty="0" err="1"/>
+              <a:t>Jupyter</a:t>
+            </a:r>
+            <a:r>
+              <a:rPr lang="en-US" dirty="0"/>
+              <a:t> Notebook </a:t>
+            </a:r>
+            <a:r>
+              <a:rPr lang="en-US" dirty="0" err="1"/>
+              <a:t>akan</a:t>
+            </a:r>
+            <a:r>
+              <a:rPr lang="en-US" dirty="0"/>
+              <a:t> </a:t>
+            </a:r>
+            <a:r>
+              <a:rPr lang="en-US" dirty="0" err="1"/>
+              <a:t>terbuka</a:t>
+            </a:r>
+            <a:r>
+              <a:rPr lang="en-US" dirty="0"/>
+              <a:t> pada default browser </a:t>
+            </a:r>
+            <a:r>
+              <a:rPr lang="en-US" dirty="0" err="1"/>
+              <a:t>kita</a:t>
+            </a:r>
+            <a:r>
+              <a:rPr lang="en-US" dirty="0"/>
+              <a:t>.</a:t>
+            </a:r>
+          </a:p>
+          <a:p>
+            <a:endParaRPr lang="en-US" dirty="0"/>
+          </a:p>
+        </p:txBody>
+      </p:sp>
+    </p:spTree>
+    <p:extLst>
+      <p:ext uri="{BB962C8B-B14F-4D97-AF65-F5344CB8AC3E}">
+        <p14:creationId xmlns:p14="http://schemas.microsoft.com/office/powerpoint/2010/main" val="2769748562"/>
+      </p:ext>
+    </p:extLst>
+  </p:cSld>
+  <p:clrMapOvr>
+    <a:masterClrMapping/>
+  </p:clrMapOvr>
+</p:sld>
+</file>
+
+<file path=ppt/slides/slide27.xml><?xml version="1.0" encoding="utf-8"?>
+<p:sld xmlns:a="http://schemas.openxmlformats.org/drawingml/2006/main" xmlns:r="http://schemas.openxmlformats.org/officeDocument/2006/relationships" xmlns:p="http://schemas.openxmlformats.org/presentationml/2006/main">
+  <p:cSld>
+    <p:spTree>
+      <p:nvGrpSpPr>
+        <p:cNvPr id="1" name=""/>
+        <p:cNvGrpSpPr/>
+        <p:nvPr/>
+      </p:nvGrpSpPr>
+      <p:grpSpPr>
+        <a:xfrm>
+          <a:off x="0" y="0"/>
+          <a:ext cx="0" cy="0"/>
+          <a:chOff x="0" y="0"/>
+          <a:chExt cx="0" cy="0"/>
+        </a:xfrm>
+      </p:grpSpPr>
+      <p:sp>
+        <p:nvSpPr>
+          <p:cNvPr id="2" name="Title 1">
+            <a:extLst>
+              <a:ext uri="{FF2B5EF4-FFF2-40B4-BE49-F238E27FC236}">
+                <a16:creationId xmlns:a16="http://schemas.microsoft.com/office/drawing/2014/main" id="{B02F2DB0-4D81-43E3-A8EE-6F1CE5AB0E62}"/>
+              </a:ext>
+            </a:extLst>
+          </p:cNvPr>
+          <p:cNvSpPr>
+            <a:spLocks noGrp="1"/>
+          </p:cNvSpPr>
+          <p:nvPr>
+            <p:ph type="title"/>
+          </p:nvPr>
+        </p:nvSpPr>
+        <p:spPr/>
+        <p:txBody>
+          <a:bodyPr/>
+          <a:lstStyle/>
+          <a:p>
+            <a:r>
+              <a:rPr lang="en-US" dirty="0"/>
+              <a:t>Seaborn pada python</a:t>
+            </a:r>
+          </a:p>
+        </p:txBody>
+      </p:sp>
+      <p:sp>
+        <p:nvSpPr>
+          <p:cNvPr id="3" name="Content Placeholder 2">
+            <a:extLst>
+              <a:ext uri="{FF2B5EF4-FFF2-40B4-BE49-F238E27FC236}">
+                <a16:creationId xmlns:a16="http://schemas.microsoft.com/office/drawing/2014/main" id="{1F2D6FF5-F4B0-4D43-9B9F-636C7FE5E1A1}"/>
+              </a:ext>
+            </a:extLst>
+          </p:cNvPr>
+          <p:cNvSpPr>
+            <a:spLocks noGrp="1"/>
+          </p:cNvSpPr>
+          <p:nvPr>
+            <p:ph idx="1"/>
+          </p:nvPr>
+        </p:nvSpPr>
+        <p:spPr/>
+        <p:txBody>
+          <a:bodyPr>
+            <a:normAutofit/>
+          </a:bodyPr>
+          <a:lstStyle/>
+          <a:p>
+            <a:pPr marL="0" indent="0">
+              <a:buNone/>
+            </a:pPr>
+            <a:r>
+              <a:rPr lang="en-US" dirty="0"/>
+              <a:t>Seaborn </a:t>
+            </a:r>
+            <a:r>
+              <a:rPr lang="en-US" dirty="0" err="1"/>
+              <a:t>adalah</a:t>
+            </a:r>
+            <a:r>
+              <a:rPr lang="en-US" dirty="0"/>
+              <a:t> </a:t>
+            </a:r>
+            <a:r>
+              <a:rPr lang="en-US" dirty="0" err="1"/>
+              <a:t>perpustakaan</a:t>
+            </a:r>
+            <a:r>
+              <a:rPr lang="en-US" dirty="0"/>
+              <a:t> </a:t>
+            </a:r>
+            <a:r>
+              <a:rPr lang="en-US" dirty="0" err="1"/>
+              <a:t>visualisasi</a:t>
+            </a:r>
+            <a:r>
+              <a:rPr lang="en-US" dirty="0"/>
+              <a:t> data Python </a:t>
+            </a:r>
+            <a:r>
+              <a:rPr lang="en-US" dirty="0" err="1"/>
+              <a:t>berdasarkan</a:t>
+            </a:r>
+            <a:r>
+              <a:rPr lang="en-US" dirty="0"/>
+              <a:t> matplotlib. Seaborn </a:t>
+            </a:r>
+            <a:r>
+              <a:rPr lang="en-US" dirty="0" err="1"/>
+              <a:t>menyediakan</a:t>
+            </a:r>
+            <a:r>
+              <a:rPr lang="en-US" dirty="0"/>
+              <a:t> </a:t>
+            </a:r>
+            <a:r>
+              <a:rPr lang="en-US" dirty="0" err="1"/>
+              <a:t>antarmuka</a:t>
+            </a:r>
+            <a:r>
+              <a:rPr lang="en-US" dirty="0"/>
+              <a:t> </a:t>
+            </a:r>
+            <a:r>
+              <a:rPr lang="en-US" dirty="0" err="1"/>
+              <a:t>tingkat</a:t>
+            </a:r>
+            <a:r>
+              <a:rPr lang="en-US" dirty="0"/>
+              <a:t> </a:t>
+            </a:r>
+            <a:r>
+              <a:rPr lang="en-US" dirty="0" err="1"/>
+              <a:t>tinggi</a:t>
+            </a:r>
+            <a:r>
+              <a:rPr lang="en-US" dirty="0"/>
+              <a:t> </a:t>
+            </a:r>
+            <a:r>
+              <a:rPr lang="en-US" dirty="0" err="1"/>
+              <a:t>untuk</a:t>
+            </a:r>
+            <a:r>
+              <a:rPr lang="en-US" dirty="0"/>
+              <a:t> </a:t>
+            </a:r>
+            <a:r>
+              <a:rPr lang="en-US" dirty="0" err="1"/>
+              <a:t>menggambar</a:t>
+            </a:r>
+            <a:r>
+              <a:rPr lang="en-US" dirty="0"/>
+              <a:t> </a:t>
+            </a:r>
+            <a:r>
+              <a:rPr lang="en-US" dirty="0" err="1"/>
+              <a:t>grafik</a:t>
+            </a:r>
+            <a:r>
+              <a:rPr lang="en-US" dirty="0"/>
+              <a:t> </a:t>
+            </a:r>
+            <a:r>
+              <a:rPr lang="en-US" dirty="0" err="1"/>
+              <a:t>statistik</a:t>
+            </a:r>
+            <a:r>
+              <a:rPr lang="en-US" dirty="0"/>
+              <a:t> yang </a:t>
+            </a:r>
+            <a:r>
+              <a:rPr lang="en-US" dirty="0" err="1"/>
+              <a:t>menarik</a:t>
+            </a:r>
+            <a:r>
+              <a:rPr lang="en-US" dirty="0"/>
+              <a:t> dan </a:t>
+            </a:r>
+            <a:r>
+              <a:rPr lang="en-US" dirty="0" err="1"/>
+              <a:t>informatif</a:t>
+            </a:r>
+            <a:r>
+              <a:rPr lang="en-US" dirty="0"/>
+              <a:t>. Cara install Seaborn </a:t>
+            </a:r>
+            <a:r>
+              <a:rPr lang="en-US" dirty="0" err="1"/>
+              <a:t>cukup</a:t>
+            </a:r>
+            <a:r>
+              <a:rPr lang="en-US" dirty="0"/>
+              <a:t> </a:t>
+            </a:r>
+            <a:r>
+              <a:rPr lang="en-US" dirty="0" err="1"/>
+              <a:t>mudah</a:t>
+            </a:r>
+            <a:r>
+              <a:rPr lang="en-US" dirty="0"/>
+              <a:t>, </a:t>
+            </a:r>
+            <a:r>
+              <a:rPr lang="en-US" dirty="0" err="1"/>
+              <a:t>kita</a:t>
+            </a:r>
+            <a:r>
+              <a:rPr lang="en-US" dirty="0"/>
+              <a:t> </a:t>
+            </a:r>
+            <a:r>
+              <a:rPr lang="en-US" dirty="0" err="1"/>
+              <a:t>dapat</a:t>
+            </a:r>
+            <a:r>
+              <a:rPr lang="en-US" dirty="0"/>
+              <a:t> </a:t>
+            </a:r>
+            <a:r>
+              <a:rPr lang="en-US" dirty="0" err="1"/>
+              <a:t>menginstall-nya</a:t>
+            </a:r>
+            <a:r>
+              <a:rPr lang="en-US" dirty="0"/>
+              <a:t> </a:t>
+            </a:r>
+            <a:r>
+              <a:rPr lang="en-US" dirty="0" err="1"/>
+              <a:t>lewat</a:t>
+            </a:r>
+            <a:r>
+              <a:rPr lang="en-US" dirty="0"/>
+              <a:t> </a:t>
+            </a:r>
+            <a:r>
+              <a:rPr lang="en-US" dirty="0" err="1"/>
+              <a:t>Jupyter</a:t>
+            </a:r>
+            <a:r>
+              <a:rPr lang="en-US" dirty="0"/>
+              <a:t> Notebook </a:t>
+            </a:r>
+            <a:r>
+              <a:rPr lang="en-US" dirty="0" err="1"/>
+              <a:t>dengan</a:t>
+            </a:r>
+            <a:r>
+              <a:rPr lang="en-US" dirty="0"/>
+              <a:t> </a:t>
+            </a:r>
+            <a:r>
+              <a:rPr lang="en-US" dirty="0" err="1"/>
+              <a:t>mengetikkan</a:t>
+            </a:r>
+            <a:r>
+              <a:rPr lang="en-US" dirty="0"/>
+              <a:t> </a:t>
+            </a:r>
+            <a:r>
+              <a:rPr lang="en-US" dirty="0" err="1"/>
+              <a:t>sintaks</a:t>
+            </a:r>
+            <a:r>
+              <a:rPr lang="en-US" dirty="0"/>
+              <a:t> </a:t>
+            </a:r>
+            <a:r>
+              <a:rPr lang="en-US" dirty="0" err="1"/>
+              <a:t>berikut</a:t>
+            </a:r>
+            <a:r>
+              <a:rPr lang="en-US" dirty="0"/>
+              <a:t>.</a:t>
+            </a:r>
+          </a:p>
+          <a:p>
+            <a:pPr marL="0" indent="0">
+              <a:buNone/>
+            </a:pPr>
+            <a:r>
+              <a:rPr lang="en-US" dirty="0" err="1"/>
+              <a:t>Jika</a:t>
+            </a:r>
+            <a:r>
+              <a:rPr lang="en-US" dirty="0"/>
+              <a:t> </a:t>
+            </a:r>
+            <a:r>
+              <a:rPr lang="en-US" dirty="0" err="1"/>
+              <a:t>kita</a:t>
+            </a:r>
+            <a:r>
+              <a:rPr lang="en-US" dirty="0"/>
+              <a:t> </a:t>
+            </a:r>
+            <a:r>
+              <a:rPr lang="en-US" dirty="0" err="1"/>
+              <a:t>sudah</a:t>
+            </a:r>
+            <a:r>
+              <a:rPr lang="en-US" dirty="0"/>
+              <a:t> </a:t>
+            </a:r>
+            <a:r>
+              <a:rPr lang="en-US" dirty="0" err="1"/>
+              <a:t>mengimport</a:t>
+            </a:r>
+            <a:r>
+              <a:rPr lang="en-US" dirty="0"/>
+              <a:t> Seaborn, </a:t>
+            </a:r>
+            <a:r>
+              <a:rPr lang="en-US" dirty="0" err="1"/>
+              <a:t>kita</a:t>
+            </a:r>
+            <a:r>
+              <a:rPr lang="en-US" dirty="0"/>
+              <a:t> </a:t>
+            </a:r>
+            <a:r>
+              <a:rPr lang="en-US" dirty="0" err="1"/>
+              <a:t>dapat</a:t>
+            </a:r>
+            <a:r>
+              <a:rPr lang="en-US" dirty="0"/>
+              <a:t> </a:t>
+            </a:r>
+            <a:r>
+              <a:rPr lang="en-US" dirty="0" err="1"/>
+              <a:t>melihat</a:t>
+            </a:r>
+            <a:r>
+              <a:rPr lang="en-US" dirty="0"/>
+              <a:t> </a:t>
+            </a:r>
+            <a:r>
+              <a:rPr lang="en-US" dirty="0" err="1"/>
+              <a:t>apakah</a:t>
+            </a:r>
+            <a:r>
+              <a:rPr lang="en-US" dirty="0"/>
+              <a:t> Seaborn </a:t>
+            </a:r>
+            <a:r>
+              <a:rPr lang="en-US" dirty="0" err="1"/>
+              <a:t>sudah</a:t>
+            </a:r>
+            <a:r>
+              <a:rPr lang="en-US" dirty="0"/>
+              <a:t> </a:t>
+            </a:r>
+            <a:r>
+              <a:rPr lang="en-US" dirty="0" err="1"/>
+              <a:t>terpasang</a:t>
+            </a:r>
+            <a:r>
+              <a:rPr lang="en-US" dirty="0"/>
+              <a:t> </a:t>
+            </a:r>
+            <a:r>
+              <a:rPr lang="en-US" dirty="0" err="1"/>
+              <a:t>dengan</a:t>
+            </a:r>
+            <a:r>
+              <a:rPr lang="en-US" dirty="0"/>
+              <a:t> </a:t>
+            </a:r>
+            <a:r>
+              <a:rPr lang="en-US" dirty="0" err="1"/>
+              <a:t>benar</a:t>
+            </a:r>
+            <a:r>
+              <a:rPr lang="en-US" dirty="0"/>
+              <a:t> </a:t>
+            </a:r>
+            <a:r>
+              <a:rPr lang="en-US" dirty="0" err="1"/>
+              <a:t>atau</a:t>
+            </a:r>
+            <a:r>
+              <a:rPr lang="en-US" dirty="0"/>
+              <a:t> </a:t>
+            </a:r>
+            <a:r>
+              <a:rPr lang="en-US" dirty="0" err="1"/>
+              <a:t>tidak</a:t>
+            </a:r>
+            <a:r>
+              <a:rPr lang="en-US" dirty="0"/>
+              <a:t> </a:t>
+            </a:r>
+            <a:r>
+              <a:rPr lang="en-US" dirty="0" err="1"/>
+              <a:t>dengan</a:t>
+            </a:r>
+            <a:r>
+              <a:rPr lang="en-US" dirty="0"/>
+              <a:t> </a:t>
+            </a:r>
+            <a:r>
+              <a:rPr lang="en-US" dirty="0" err="1"/>
+              <a:t>mengetikkan</a:t>
+            </a:r>
+            <a:r>
+              <a:rPr lang="en-US" dirty="0"/>
+              <a:t> </a:t>
+            </a:r>
+            <a:r>
+              <a:rPr lang="en-US" dirty="0" err="1"/>
+              <a:t>sintaks</a:t>
+            </a:r>
+            <a:r>
+              <a:rPr lang="en-US" dirty="0"/>
+              <a:t> </a:t>
+            </a:r>
+            <a:r>
+              <a:rPr lang="en-US" dirty="0" err="1"/>
+              <a:t>sns</a:t>
+            </a:r>
+            <a:r>
+              <a:rPr lang="en-US" dirty="0"/>
+              <a:t>.__version__ dan </a:t>
+            </a:r>
+            <a:r>
+              <a:rPr lang="en-US" dirty="0" err="1"/>
+              <a:t>outputnya</a:t>
+            </a:r>
+            <a:r>
+              <a:rPr lang="en-US" dirty="0"/>
+              <a:t> </a:t>
+            </a:r>
+            <a:r>
+              <a:rPr lang="en-US" dirty="0" err="1"/>
+              <a:t>jika</a:t>
+            </a:r>
+            <a:r>
+              <a:rPr lang="en-US" dirty="0"/>
+              <a:t> </a:t>
+            </a:r>
+            <a:r>
+              <a:rPr lang="en-US" dirty="0" err="1"/>
+              <a:t>benar</a:t>
+            </a:r>
+            <a:r>
+              <a:rPr lang="en-US" dirty="0"/>
+              <a:t> </a:t>
+            </a:r>
+            <a:r>
+              <a:rPr lang="en-US" dirty="0" err="1"/>
+              <a:t>akan</a:t>
+            </a:r>
+            <a:r>
+              <a:rPr lang="en-US" dirty="0"/>
+              <a:t> </a:t>
+            </a:r>
+            <a:r>
+              <a:rPr lang="en-US" dirty="0" err="1"/>
+              <a:t>menghasilkan</a:t>
+            </a:r>
+            <a:r>
+              <a:rPr lang="en-US" dirty="0"/>
+              <a:t> </a:t>
+            </a:r>
+            <a:r>
+              <a:rPr lang="en-US" dirty="0" err="1"/>
+              <a:t>versi</a:t>
+            </a:r>
+            <a:r>
+              <a:rPr lang="en-US" dirty="0"/>
+              <a:t> </a:t>
+            </a:r>
+            <a:r>
+              <a:rPr lang="en-US" dirty="0" err="1"/>
+              <a:t>dari</a:t>
+            </a:r>
+            <a:r>
+              <a:rPr lang="en-US" dirty="0"/>
+              <a:t> Seaborn </a:t>
+            </a:r>
+            <a:r>
+              <a:rPr lang="en-US" dirty="0" err="1"/>
+              <a:t>tersebut</a:t>
+            </a:r>
+            <a:r>
+              <a:rPr lang="en-US" dirty="0"/>
+              <a:t>.</a:t>
+            </a:r>
+          </a:p>
+          <a:p>
+            <a:endParaRPr lang="en-US" dirty="0"/>
+          </a:p>
+        </p:txBody>
+      </p:sp>
+    </p:spTree>
+    <p:extLst>
+      <p:ext uri="{BB962C8B-B14F-4D97-AF65-F5344CB8AC3E}">
+        <p14:creationId xmlns:p14="http://schemas.microsoft.com/office/powerpoint/2010/main" val="631866453"/>
+      </p:ext>
+    </p:extLst>
+  </p:cSld>
+  <p:clrMapOvr>
+    <a:masterClrMapping/>
+  </p:clrMapOvr>
+</p:sld>
+</file>
+
+<file path=ppt/slides/slide28.xml><?xml version="1.0" encoding="utf-8"?>
+<p:sld xmlns:a="http://schemas.openxmlformats.org/drawingml/2006/main" xmlns:r="http://schemas.openxmlformats.org/officeDocument/2006/relationships" xmlns:p="http://schemas.openxmlformats.org/presentationml/2006/main">
+  <p:cSld>
+    <p:spTree>
+      <p:nvGrpSpPr>
+        <p:cNvPr id="1" name=""/>
+        <p:cNvGrpSpPr/>
+        <p:nvPr/>
+      </p:nvGrpSpPr>
+      <p:grpSpPr>
+        <a:xfrm>
+          <a:off x="0" y="0"/>
+          <a:ext cx="0" cy="0"/>
+          <a:chOff x="0" y="0"/>
+          <a:chExt cx="0" cy="0"/>
+        </a:xfrm>
+      </p:grpSpPr>
+      <p:sp>
+        <p:nvSpPr>
+          <p:cNvPr id="2" name="Title 1">
+            <a:extLst>
+              <a:ext uri="{FF2B5EF4-FFF2-40B4-BE49-F238E27FC236}">
+                <a16:creationId xmlns:a16="http://schemas.microsoft.com/office/drawing/2014/main" id="{50885E28-54E8-491F-B17E-A52F3B7F1523}"/>
+              </a:ext>
+            </a:extLst>
+          </p:cNvPr>
+          <p:cNvSpPr>
+            <a:spLocks noGrp="1"/>
+          </p:cNvSpPr>
+          <p:nvPr>
+            <p:ph type="title"/>
+          </p:nvPr>
+        </p:nvSpPr>
+        <p:spPr/>
+        <p:txBody>
+          <a:bodyPr/>
+          <a:lstStyle/>
+          <a:p>
+            <a:r>
+              <a:rPr lang="en-US" dirty="0"/>
+              <a:t>daftar PUSTAKA</a:t>
+            </a:r>
+          </a:p>
+        </p:txBody>
+      </p:sp>
+      <p:sp>
+        <p:nvSpPr>
+          <p:cNvPr id="3" name="Content Placeholder 2">
+            <a:extLst>
+              <a:ext uri="{FF2B5EF4-FFF2-40B4-BE49-F238E27FC236}">
+                <a16:creationId xmlns:a16="http://schemas.microsoft.com/office/drawing/2014/main" id="{537CB976-9A37-48BA-B3B7-47CDB98CC564}"/>
               </a:ext>
             </a:extLst>
           </p:cNvPr>
@@ -8482,7 +9424,7 @@
           <p:cNvPr id="2" name="Title 1">
             <a:extLst>
               <a:ext uri="{FF2B5EF4-FFF2-40B4-BE49-F238E27FC236}">
-                <a16:creationId xmlns:a16="http://schemas.microsoft.com/office/drawing/2014/main" xmlns="" id="{E032B052-9AB9-479B-B9CC-8BDFDF47E40C}"/>
+                <a16:creationId xmlns:a16="http://schemas.microsoft.com/office/drawing/2014/main" id="{E032B052-9AB9-479B-B9CC-8BDFDF47E40C}"/>
               </a:ext>
             </a:extLst>
           </p:cNvPr>
@@ -8516,7 +9458,7 @@
           <p:cNvPr id="5" name="Content Placeholder 4">
             <a:extLst>
               <a:ext uri="{FF2B5EF4-FFF2-40B4-BE49-F238E27FC236}">
-                <a16:creationId xmlns:a16="http://schemas.microsoft.com/office/drawing/2014/main" xmlns="" id="{4A9C24B5-D444-4B53-A672-0741C9EEEA28}"/>
+                <a16:creationId xmlns:a16="http://schemas.microsoft.com/office/drawing/2014/main" id="{4A9C24B5-D444-4B53-A672-0741C9EEEA28}"/>
               </a:ext>
             </a:extLst>
           </p:cNvPr>
@@ -8548,7 +9490,7 @@
           <p:cNvPr id="6" name="Content Placeholder 5">
             <a:extLst>
               <a:ext uri="{FF2B5EF4-FFF2-40B4-BE49-F238E27FC236}">
-                <a16:creationId xmlns:a16="http://schemas.microsoft.com/office/drawing/2014/main" xmlns="" id="{0CFEC6E1-C846-4CE0-9B18-CAD7F70A983B}"/>
+                <a16:creationId xmlns:a16="http://schemas.microsoft.com/office/drawing/2014/main" id="{0CFEC6E1-C846-4CE0-9B18-CAD7F70A983B}"/>
               </a:ext>
             </a:extLst>
           </p:cNvPr>
@@ -8585,13 +9527,6 @@
   <p:clrMapOvr>
     <a:masterClrMapping/>
   </p:clrMapOvr>
-  <p:timing>
-    <p:tnLst>
-      <p:par>
-        <p:cTn id="1" dur="indefinite" restart="never" nodeType="tmRoot"/>
-      </p:par>
-    </p:tnLst>
-  </p:timing>
 </p:sld>
 </file>
 
@@ -8617,7 +9552,7 @@
           <p:cNvPr id="2" name="Title 1">
             <a:extLst>
               <a:ext uri="{FF2B5EF4-FFF2-40B4-BE49-F238E27FC236}">
-                <a16:creationId xmlns:a16="http://schemas.microsoft.com/office/drawing/2014/main" xmlns="" id="{3A8F8451-4288-45F8-B193-661A95F84E1A}"/>
+                <a16:creationId xmlns:a16="http://schemas.microsoft.com/office/drawing/2014/main" id="{3A8F8451-4288-45F8-B193-661A95F84E1A}"/>
               </a:ext>
             </a:extLst>
           </p:cNvPr>
@@ -8649,7 +9584,7 @@
           <p:cNvPr id="4" name="Content Placeholder 3">
             <a:extLst>
               <a:ext uri="{FF2B5EF4-FFF2-40B4-BE49-F238E27FC236}">
-                <a16:creationId xmlns:a16="http://schemas.microsoft.com/office/drawing/2014/main" xmlns="" id="{285C7218-A6C3-4EF4-ACE8-2B45A555107D}"/>
+                <a16:creationId xmlns:a16="http://schemas.microsoft.com/office/drawing/2014/main" id="{285C7218-A6C3-4EF4-ACE8-2B45A555107D}"/>
               </a:ext>
             </a:extLst>
           </p:cNvPr>
@@ -8681,7 +9616,7 @@
           <p:cNvPr id="5" name="Picture 4">
             <a:extLst>
               <a:ext uri="{FF2B5EF4-FFF2-40B4-BE49-F238E27FC236}">
-                <a16:creationId xmlns:a16="http://schemas.microsoft.com/office/drawing/2014/main" xmlns="" id="{2BBDA339-C238-4706-BF18-C0CE7E59D725}"/>
+                <a16:creationId xmlns:a16="http://schemas.microsoft.com/office/drawing/2014/main" id="{2BBDA339-C238-4706-BF18-C0CE7E59D725}"/>
               </a:ext>
             </a:extLst>
           </p:cNvPr>
@@ -8711,7 +9646,7 @@
           <p:cNvPr id="6" name="Picture 5">
             <a:extLst>
               <a:ext uri="{FF2B5EF4-FFF2-40B4-BE49-F238E27FC236}">
-                <a16:creationId xmlns:a16="http://schemas.microsoft.com/office/drawing/2014/main" xmlns="" id="{97AEEABC-83DE-42BE-BAA9-F199E22AB3EE}"/>
+                <a16:creationId xmlns:a16="http://schemas.microsoft.com/office/drawing/2014/main" id="{97AEEABC-83DE-42BE-BAA9-F199E22AB3EE}"/>
               </a:ext>
             </a:extLst>
           </p:cNvPr>
@@ -8741,7 +9676,7 @@
           <p:cNvPr id="7" name="Arrow: Right 6">
             <a:extLst>
               <a:ext uri="{FF2B5EF4-FFF2-40B4-BE49-F238E27FC236}">
-                <a16:creationId xmlns:a16="http://schemas.microsoft.com/office/drawing/2014/main" xmlns="" id="{B6E387C2-4D4E-438D-9422-C9A9ADFEEF98}"/>
+                <a16:creationId xmlns:a16="http://schemas.microsoft.com/office/drawing/2014/main" id="{B6E387C2-4D4E-438D-9422-C9A9ADFEEF98}"/>
               </a:ext>
             </a:extLst>
           </p:cNvPr>
@@ -8787,7 +9722,7 @@
           <p:cNvPr id="8" name="Arrow: Right 7">
             <a:extLst>
               <a:ext uri="{FF2B5EF4-FFF2-40B4-BE49-F238E27FC236}">
-                <a16:creationId xmlns:a16="http://schemas.microsoft.com/office/drawing/2014/main" xmlns="" id="{CD1BA66C-3167-440E-BBEE-99BEDCB22C76}"/>
+                <a16:creationId xmlns:a16="http://schemas.microsoft.com/office/drawing/2014/main" id="{CD1BA66C-3167-440E-BBEE-99BEDCB22C76}"/>
               </a:ext>
             </a:extLst>
           </p:cNvPr>
@@ -8838,13 +9773,6 @@
   <p:clrMapOvr>
     <a:masterClrMapping/>
   </p:clrMapOvr>
-  <p:timing>
-    <p:tnLst>
-      <p:par>
-        <p:cTn id="1" dur="indefinite" restart="never" nodeType="tmRoot"/>
-      </p:par>
-    </p:tnLst>
-  </p:timing>
 </p:sld>
 </file>
 
@@ -8870,7 +9798,7 @@
           <p:cNvPr id="2" name="Title 1">
             <a:extLst>
               <a:ext uri="{FF2B5EF4-FFF2-40B4-BE49-F238E27FC236}">
-                <a16:creationId xmlns:a16="http://schemas.microsoft.com/office/drawing/2014/main" xmlns="" id="{DF8EAD61-6B60-473A-8B38-96661AABEE3F}"/>
+                <a16:creationId xmlns:a16="http://schemas.microsoft.com/office/drawing/2014/main" id="{DF8EAD61-6B60-473A-8B38-96661AABEE3F}"/>
               </a:ext>
             </a:extLst>
           </p:cNvPr>
@@ -8888,16 +9816,12 @@
           <a:p>
             <a:pPr algn="ctr"/>
             <a:r>
-              <a:rPr lang="en-US" dirty="0" err="1" smtClean="0"/>
+              <a:rPr lang="en-US" dirty="0" err="1"/>
               <a:t>Mencoba</a:t>
             </a:r>
             <a:r>
-              <a:rPr lang="en-US" dirty="0" smtClean="0"/>
-              <a:t> </a:t>
-            </a:r>
-            <a:r>
-              <a:rPr lang="en-US" dirty="0"/>
-              <a:t>program</a:t>
+              <a:rPr lang="en-US" dirty="0"/>
+              <a:t> program</a:t>
             </a:r>
           </a:p>
         </p:txBody>
@@ -9078,13 +10002,6 @@
   <p:clrMapOvr>
     <a:masterClrMapping/>
   </p:clrMapOvr>
-  <p:timing>
-    <p:tnLst>
-      <p:par>
-        <p:cTn id="1" dur="indefinite" restart="never" nodeType="tmRoot"/>
-      </p:par>
-    </p:tnLst>
-  </p:timing>
 </p:sld>
 </file>
 
@@ -9110,7 +10027,7 @@
           <p:cNvPr id="2" name="Title 1">
             <a:extLst>
               <a:ext uri="{FF2B5EF4-FFF2-40B4-BE49-F238E27FC236}">
-                <a16:creationId xmlns:a16="http://schemas.microsoft.com/office/drawing/2014/main" xmlns="" id="{5A711E72-9DB2-49FD-85FD-2DF96E428427}"/>
+                <a16:creationId xmlns:a16="http://schemas.microsoft.com/office/drawing/2014/main" id="{5A711E72-9DB2-49FD-85FD-2DF96E428427}"/>
               </a:ext>
             </a:extLst>
           </p:cNvPr>
@@ -9290,13 +10207,6 @@
   <p:clrMapOvr>
     <a:masterClrMapping/>
   </p:clrMapOvr>
-  <p:timing>
-    <p:tnLst>
-      <p:par>
-        <p:cTn id="1" dur="indefinite" restart="never" nodeType="tmRoot"/>
-      </p:par>
-    </p:tnLst>
-  </p:timing>
 </p:sld>
 </file>
 
@@ -9322,7 +10232,7 @@
           <p:cNvPr id="2" name="Title 1">
             <a:extLst>
               <a:ext uri="{FF2B5EF4-FFF2-40B4-BE49-F238E27FC236}">
-                <a16:creationId xmlns:a16="http://schemas.microsoft.com/office/drawing/2014/main" xmlns="" id="{BE2948F8-1ECB-4FD8-B2C9-8B8FF33D8DD1}"/>
+                <a16:creationId xmlns:a16="http://schemas.microsoft.com/office/drawing/2014/main" id="{BE2948F8-1ECB-4FD8-B2C9-8B8FF33D8DD1}"/>
               </a:ext>
             </a:extLst>
           </p:cNvPr>
@@ -9339,10 +10249,9 @@
           <a:lstStyle/>
           <a:p>
             <a:r>
-              <a:rPr lang="en-US" dirty="0" smtClean="0"/>
+              <a:rPr lang="en-US" dirty="0"/>
               <a:t>Install ide</a:t>
             </a:r>
-            <a:endParaRPr lang="en-US" dirty="0"/>
           </a:p>
         </p:txBody>
       </p:sp>
@@ -9351,7 +10260,7 @@
           <p:cNvPr id="4" name="Content Placeholder 3">
             <a:extLst>
               <a:ext uri="{FF2B5EF4-FFF2-40B4-BE49-F238E27FC236}">
-                <a16:creationId xmlns:a16="http://schemas.microsoft.com/office/drawing/2014/main" xmlns="" id="{BFC5BDE9-00B6-4E6D-905D-FE57DF585974}"/>
+                <a16:creationId xmlns:a16="http://schemas.microsoft.com/office/drawing/2014/main" id="{BFC5BDE9-00B6-4E6D-905D-FE57DF585974}"/>
               </a:ext>
             </a:extLst>
           </p:cNvPr>
@@ -9383,7 +10292,7 @@
           <p:cNvPr id="5" name="Picture 4">
             <a:extLst>
               <a:ext uri="{FF2B5EF4-FFF2-40B4-BE49-F238E27FC236}">
-                <a16:creationId xmlns:a16="http://schemas.microsoft.com/office/drawing/2014/main" xmlns="" id="{5FA3D9D4-6D55-466D-AF35-3FD2AB89A236}"/>
+                <a16:creationId xmlns:a16="http://schemas.microsoft.com/office/drawing/2014/main" id="{5FA3D9D4-6D55-466D-AF35-3FD2AB89A236}"/>
               </a:ext>
             </a:extLst>
           </p:cNvPr>
@@ -9413,7 +10322,7 @@
           <p:cNvPr id="6" name="Picture 5">
             <a:extLst>
               <a:ext uri="{FF2B5EF4-FFF2-40B4-BE49-F238E27FC236}">
-                <a16:creationId xmlns:a16="http://schemas.microsoft.com/office/drawing/2014/main" xmlns="" id="{FE3ECCDC-723C-44E6-AFDD-3EDA3B60FDFE}"/>
+                <a16:creationId xmlns:a16="http://schemas.microsoft.com/office/drawing/2014/main" id="{FE3ECCDC-723C-44E6-AFDD-3EDA3B60FDFE}"/>
               </a:ext>
             </a:extLst>
           </p:cNvPr>
@@ -9473,7 +10382,7 @@
           <p:cNvPr id="2" name="Title 1">
             <a:extLst>
               <a:ext uri="{FF2B5EF4-FFF2-40B4-BE49-F238E27FC236}">
-                <a16:creationId xmlns:a16="http://schemas.microsoft.com/office/drawing/2014/main" xmlns="" id="{9A60E9C4-514E-40E5-B975-DD51A20C34C3}"/>
+                <a16:creationId xmlns:a16="http://schemas.microsoft.com/office/drawing/2014/main" id="{9A60E9C4-514E-40E5-B975-DD51A20C34C3}"/>
               </a:ext>
             </a:extLst>
           </p:cNvPr>
@@ -9501,7 +10410,7 @@
           <p:cNvPr id="4" name="Content Placeholder 3">
             <a:extLst>
               <a:ext uri="{FF2B5EF4-FFF2-40B4-BE49-F238E27FC236}">
-                <a16:creationId xmlns:a16="http://schemas.microsoft.com/office/drawing/2014/main" xmlns="" id="{D16146F2-9F21-4D60-8821-24C86ABAC520}"/>
+                <a16:creationId xmlns:a16="http://schemas.microsoft.com/office/drawing/2014/main" id="{D16146F2-9F21-4D60-8821-24C86ABAC520}"/>
               </a:ext>
             </a:extLst>
           </p:cNvPr>
@@ -9533,7 +10442,7 @@
           <p:cNvPr id="5" name="TextBox 4">
             <a:extLst>
               <a:ext uri="{FF2B5EF4-FFF2-40B4-BE49-F238E27FC236}">
-                <a16:creationId xmlns:a16="http://schemas.microsoft.com/office/drawing/2014/main" xmlns="" id="{3BF0C0B2-B19C-4237-8692-65F51EB38EF6}"/>
+                <a16:creationId xmlns:a16="http://schemas.microsoft.com/office/drawing/2014/main" id="{3BF0C0B2-B19C-4237-8692-65F51EB38EF6}"/>
               </a:ext>
             </a:extLst>
           </p:cNvPr>
@@ -10130,16 +11039,7 @@
                 </a:solidFill>
                 <a:latin typeface="-apple-system"/>
               </a:rPr>
-              <a:t> enumerated type.</a:t>
-            </a:r>
-            <a:r>
-              <a:rPr lang="en-US" dirty="0">
-                <a:solidFill>
-                  <a:srgbClr val="212529"/>
-                </a:solidFill>
-                <a:latin typeface="-apple-system"/>
-              </a:rPr>
-              <a:t> :</a:t>
+              <a:t> enumerated type. :</a:t>
             </a:r>
           </a:p>
         </p:txBody>
@@ -10179,7 +11079,7 @@
           <p:cNvPr id="2" name="Title 1">
             <a:extLst>
               <a:ext uri="{FF2B5EF4-FFF2-40B4-BE49-F238E27FC236}">
-                <a16:creationId xmlns:a16="http://schemas.microsoft.com/office/drawing/2014/main" xmlns="" id="{49AD996F-BEA8-4777-A69F-5DA582B8D415}"/>
+                <a16:creationId xmlns:a16="http://schemas.microsoft.com/office/drawing/2014/main" id="{49AD996F-BEA8-4777-A69F-5DA582B8D415}"/>
               </a:ext>
             </a:extLst>
           </p:cNvPr>
@@ -10196,10 +11096,9 @@
           <a:lstStyle/>
           <a:p>
             <a:r>
-              <a:rPr lang="en-US" dirty="0" smtClean="0"/>
+              <a:rPr lang="en-US" dirty="0"/>
               <a:t>Operator</a:t>
             </a:r>
-            <a:endParaRPr lang="en-US" dirty="0"/>
           </a:p>
         </p:txBody>
       </p:sp>
@@ -10208,7 +11107,7 @@
           <p:cNvPr id="3" name="Content Placeholder 2">
             <a:extLst>
               <a:ext uri="{FF2B5EF4-FFF2-40B4-BE49-F238E27FC236}">
-                <a16:creationId xmlns:a16="http://schemas.microsoft.com/office/drawing/2014/main" xmlns="" id="{1C3084C2-61D9-4901-A0AA-D264657A712A}"/>
+                <a16:creationId xmlns:a16="http://schemas.microsoft.com/office/drawing/2014/main" id="{1C3084C2-61D9-4901-A0AA-D264657A712A}"/>
               </a:ext>
             </a:extLst>
           </p:cNvPr>
@@ -10363,13 +11262,6 @@
   <p:clrMapOvr>
     <a:masterClrMapping/>
   </p:clrMapOvr>
-  <p:timing>
-    <p:tnLst>
-      <p:par>
-        <p:cTn id="1" dur="indefinite" restart="never" nodeType="tmRoot"/>
-      </p:par>
-    </p:tnLst>
-  </p:timing>
 </p:sld>
 </file>
 
